--- a/samples/presentation/introduction.pptx
+++ b/samples/presentation/introduction.pptx
@@ -7,47 +7,48 @@
   </p:sldMasterIdLst>
   <p:sldIdLst>
     <p:sldId id="256" r:id="rId3"/>
-    <p:sldId id="278" r:id="rId4"/>
-    <p:sldId id="290" r:id="rId5"/>
-    <p:sldId id="257" r:id="rId6"/>
-    <p:sldId id="294" r:id="rId7"/>
-    <p:sldId id="293" r:id="rId8"/>
-    <p:sldId id="292" r:id="rId9"/>
-    <p:sldId id="282" r:id="rId10"/>
-    <p:sldId id="283" r:id="rId11"/>
-    <p:sldId id="284" r:id="rId12"/>
-    <p:sldId id="262" r:id="rId13"/>
-    <p:sldId id="263" r:id="rId14"/>
-    <p:sldId id="285" r:id="rId15"/>
-    <p:sldId id="295" r:id="rId16"/>
-    <p:sldId id="286" r:id="rId17"/>
-    <p:sldId id="287" r:id="rId18"/>
-    <p:sldId id="296" r:id="rId19"/>
-    <p:sldId id="264" r:id="rId20"/>
-    <p:sldId id="266" r:id="rId21"/>
-    <p:sldId id="265" r:id="rId22"/>
-    <p:sldId id="272" r:id="rId23"/>
-    <p:sldId id="273" r:id="rId24"/>
-    <p:sldId id="274" r:id="rId25"/>
-    <p:sldId id="288" r:id="rId26"/>
-    <p:sldId id="280" r:id="rId27"/>
-    <p:sldId id="281" r:id="rId28"/>
-    <p:sldId id="268" r:id="rId29"/>
-    <p:sldId id="269" r:id="rId30"/>
-    <p:sldId id="289" r:id="rId31"/>
-    <p:sldId id="271" r:id="rId32"/>
-    <p:sldId id="275" r:id="rId33"/>
-    <p:sldId id="276" r:id="rId34"/>
-    <p:sldId id="299" r:id="rId35"/>
-    <p:sldId id="300" r:id="rId36"/>
-    <p:sldId id="301" r:id="rId37"/>
-    <p:sldId id="302" r:id="rId38"/>
-    <p:sldId id="303" r:id="rId39"/>
-    <p:sldId id="277" r:id="rId40"/>
-    <p:sldId id="261" r:id="rId41"/>
-    <p:sldId id="297" r:id="rId42"/>
-    <p:sldId id="298" r:id="rId43"/>
-    <p:sldId id="267" r:id="rId44"/>
+    <p:sldId id="304" r:id="rId4"/>
+    <p:sldId id="278" r:id="rId5"/>
+    <p:sldId id="290" r:id="rId6"/>
+    <p:sldId id="257" r:id="rId7"/>
+    <p:sldId id="294" r:id="rId8"/>
+    <p:sldId id="293" r:id="rId9"/>
+    <p:sldId id="292" r:id="rId10"/>
+    <p:sldId id="282" r:id="rId11"/>
+    <p:sldId id="283" r:id="rId12"/>
+    <p:sldId id="284" r:id="rId13"/>
+    <p:sldId id="262" r:id="rId14"/>
+    <p:sldId id="263" r:id="rId15"/>
+    <p:sldId id="285" r:id="rId16"/>
+    <p:sldId id="295" r:id="rId17"/>
+    <p:sldId id="286" r:id="rId18"/>
+    <p:sldId id="287" r:id="rId19"/>
+    <p:sldId id="296" r:id="rId20"/>
+    <p:sldId id="264" r:id="rId21"/>
+    <p:sldId id="266" r:id="rId22"/>
+    <p:sldId id="265" r:id="rId23"/>
+    <p:sldId id="272" r:id="rId24"/>
+    <p:sldId id="273" r:id="rId25"/>
+    <p:sldId id="274" r:id="rId26"/>
+    <p:sldId id="288" r:id="rId27"/>
+    <p:sldId id="280" r:id="rId28"/>
+    <p:sldId id="281" r:id="rId29"/>
+    <p:sldId id="268" r:id="rId30"/>
+    <p:sldId id="269" r:id="rId31"/>
+    <p:sldId id="289" r:id="rId32"/>
+    <p:sldId id="271" r:id="rId33"/>
+    <p:sldId id="275" r:id="rId34"/>
+    <p:sldId id="276" r:id="rId35"/>
+    <p:sldId id="299" r:id="rId36"/>
+    <p:sldId id="300" r:id="rId37"/>
+    <p:sldId id="301" r:id="rId38"/>
+    <p:sldId id="302" r:id="rId39"/>
+    <p:sldId id="303" r:id="rId40"/>
+    <p:sldId id="277" r:id="rId41"/>
+    <p:sldId id="261" r:id="rId42"/>
+    <p:sldId id="297" r:id="rId43"/>
+    <p:sldId id="298" r:id="rId44"/>
+    <p:sldId id="267" r:id="rId45"/>
   </p:sldIdLst>
   <p:sldSz cx="12192000" cy="6858000"/>
   <p:notesSz cx="6858000" cy="9144000"/>
@@ -303,7 +304,7 @@
           <a:p>
             <a:fld id="{AB56A49A-CEC9-4682-8E60-AC886074B69E}" type="datetimeFigureOut">
               <a:rPr lang="en-DE" smtClean="0"/>
-              <a:t>27/10/2023</a:t>
+              <a:t>05/11/2023</a:t>
             </a:fld>
             <a:endParaRPr lang="en-DE"/>
           </a:p>
@@ -592,7 +593,7 @@
           <a:p>
             <a:fld id="{AB56A49A-CEC9-4682-8E60-AC886074B69E}" type="datetimeFigureOut">
               <a:rPr lang="en-DE" smtClean="0"/>
-              <a:t>27/10/2023</a:t>
+              <a:t>05/11/2023</a:t>
             </a:fld>
             <a:endParaRPr lang="en-DE"/>
           </a:p>
@@ -792,7 +793,7 @@
           <a:p>
             <a:fld id="{AB56A49A-CEC9-4682-8E60-AC886074B69E}" type="datetimeFigureOut">
               <a:rPr lang="en-DE" smtClean="0"/>
-              <a:t>27/10/2023</a:t>
+              <a:t>05/11/2023</a:t>
             </a:fld>
             <a:endParaRPr lang="en-DE"/>
           </a:p>
@@ -1002,7 +1003,7 @@
           <a:p>
             <a:fld id="{AB56A49A-CEC9-4682-8E60-AC886074B69E}" type="datetimeFigureOut">
               <a:rPr lang="en-DE" smtClean="0"/>
-              <a:t>27/10/2023</a:t>
+              <a:t>05/11/2023</a:t>
             </a:fld>
             <a:endParaRPr lang="en-DE"/>
           </a:p>
@@ -1224,7 +1225,7 @@
           <a:p>
             <a:fld id="{B10AA940-5D46-4A2F-8C86-6E65031143AB}" type="datetimeFigureOut">
               <a:rPr lang="en-DE" smtClean="0"/>
-              <a:t>27/10/2023</a:t>
+              <a:t>05/11/2023</a:t>
             </a:fld>
             <a:endParaRPr lang="en-DE"/>
           </a:p>
@@ -1424,7 +1425,7 @@
           <a:p>
             <a:fld id="{B10AA940-5D46-4A2F-8C86-6E65031143AB}" type="datetimeFigureOut">
               <a:rPr lang="en-DE" smtClean="0"/>
-              <a:t>27/10/2023</a:t>
+              <a:t>05/11/2023</a:t>
             </a:fld>
             <a:endParaRPr lang="en-DE"/>
           </a:p>
@@ -1700,7 +1701,7 @@
           <a:p>
             <a:fld id="{B10AA940-5D46-4A2F-8C86-6E65031143AB}" type="datetimeFigureOut">
               <a:rPr lang="en-DE" smtClean="0"/>
-              <a:t>27/10/2023</a:t>
+              <a:t>05/11/2023</a:t>
             </a:fld>
             <a:endParaRPr lang="en-DE"/>
           </a:p>
@@ -1968,7 +1969,7 @@
           <a:p>
             <a:fld id="{B10AA940-5D46-4A2F-8C86-6E65031143AB}" type="datetimeFigureOut">
               <a:rPr lang="en-DE" smtClean="0"/>
-              <a:t>27/10/2023</a:t>
+              <a:t>05/11/2023</a:t>
             </a:fld>
             <a:endParaRPr lang="en-DE"/>
           </a:p>
@@ -2383,7 +2384,7 @@
           <a:p>
             <a:fld id="{B10AA940-5D46-4A2F-8C86-6E65031143AB}" type="datetimeFigureOut">
               <a:rPr lang="en-DE" smtClean="0"/>
-              <a:t>27/10/2023</a:t>
+              <a:t>05/11/2023</a:t>
             </a:fld>
             <a:endParaRPr lang="en-DE"/>
           </a:p>
@@ -2525,7 +2526,7 @@
           <a:p>
             <a:fld id="{B10AA940-5D46-4A2F-8C86-6E65031143AB}" type="datetimeFigureOut">
               <a:rPr lang="en-DE" smtClean="0"/>
-              <a:t>27/10/2023</a:t>
+              <a:t>05/11/2023</a:t>
             </a:fld>
             <a:endParaRPr lang="en-DE"/>
           </a:p>
@@ -2638,7 +2639,7 @@
           <a:p>
             <a:fld id="{B10AA940-5D46-4A2F-8C86-6E65031143AB}" type="datetimeFigureOut">
               <a:rPr lang="en-DE" smtClean="0"/>
-              <a:t>27/10/2023</a:t>
+              <a:t>05/11/2023</a:t>
             </a:fld>
             <a:endParaRPr lang="en-DE"/>
           </a:p>
@@ -2803,7 +2804,7 @@
           <a:p>
             <a:fld id="{AB56A49A-CEC9-4682-8E60-AC886074B69E}" type="datetimeFigureOut">
               <a:rPr lang="en-DE" smtClean="0"/>
-              <a:t>27/10/2023</a:t>
+              <a:t>05/11/2023</a:t>
             </a:fld>
             <a:endParaRPr lang="en-DE"/>
           </a:p>
@@ -3242,7 +3243,7 @@
           <a:p>
             <a:fld id="{B10AA940-5D46-4A2F-8C86-6E65031143AB}" type="datetimeFigureOut">
               <a:rPr lang="en-DE" smtClean="0"/>
-              <a:t>27/10/2023</a:t>
+              <a:t>05/11/2023</a:t>
             </a:fld>
             <a:endParaRPr lang="en-DE"/>
           </a:p>
@@ -3531,7 +3532,7 @@
           <a:p>
             <a:fld id="{B10AA940-5D46-4A2F-8C86-6E65031143AB}" type="datetimeFigureOut">
               <a:rPr lang="en-DE" smtClean="0"/>
-              <a:t>27/10/2023</a:t>
+              <a:t>05/11/2023</a:t>
             </a:fld>
             <a:endParaRPr lang="en-DE"/>
           </a:p>
@@ -3731,7 +3732,7 @@
           <a:p>
             <a:fld id="{B10AA940-5D46-4A2F-8C86-6E65031143AB}" type="datetimeFigureOut">
               <a:rPr lang="en-DE" smtClean="0"/>
-              <a:t>27/10/2023</a:t>
+              <a:t>05/11/2023</a:t>
             </a:fld>
             <a:endParaRPr lang="en-DE"/>
           </a:p>
@@ -3941,7 +3942,7 @@
           <a:p>
             <a:fld id="{B10AA940-5D46-4A2F-8C86-6E65031143AB}" type="datetimeFigureOut">
               <a:rPr lang="en-DE" smtClean="0"/>
-              <a:t>27/10/2023</a:t>
+              <a:t>05/11/2023</a:t>
             </a:fld>
             <a:endParaRPr lang="en-DE"/>
           </a:p>
@@ -4162,7 +4163,7 @@
           <a:p>
             <a:fld id="{AB56A49A-CEC9-4682-8E60-AC886074B69E}" type="datetimeFigureOut">
               <a:rPr lang="en-DE" smtClean="0"/>
-              <a:t>27/10/2023</a:t>
+              <a:t>05/11/2023</a:t>
             </a:fld>
             <a:endParaRPr lang="en-DE"/>
           </a:p>
@@ -4438,7 +4439,7 @@
           <a:p>
             <a:fld id="{AB56A49A-CEC9-4682-8E60-AC886074B69E}" type="datetimeFigureOut">
               <a:rPr lang="en-DE" smtClean="0"/>
-              <a:t>27/10/2023</a:t>
+              <a:t>05/11/2023</a:t>
             </a:fld>
             <a:endParaRPr lang="en-DE"/>
           </a:p>
@@ -4706,7 +4707,7 @@
           <a:p>
             <a:fld id="{AB56A49A-CEC9-4682-8E60-AC886074B69E}" type="datetimeFigureOut">
               <a:rPr lang="en-DE" smtClean="0"/>
-              <a:t>27/10/2023</a:t>
+              <a:t>05/11/2023</a:t>
             </a:fld>
             <a:endParaRPr lang="en-DE"/>
           </a:p>
@@ -5121,7 +5122,7 @@
           <a:p>
             <a:fld id="{AB56A49A-CEC9-4682-8E60-AC886074B69E}" type="datetimeFigureOut">
               <a:rPr lang="en-DE" smtClean="0"/>
-              <a:t>27/10/2023</a:t>
+              <a:t>05/11/2023</a:t>
             </a:fld>
             <a:endParaRPr lang="en-DE"/>
           </a:p>
@@ -5263,7 +5264,7 @@
           <a:p>
             <a:fld id="{AB56A49A-CEC9-4682-8E60-AC886074B69E}" type="datetimeFigureOut">
               <a:rPr lang="en-DE" smtClean="0"/>
-              <a:t>27/10/2023</a:t>
+              <a:t>05/11/2023</a:t>
             </a:fld>
             <a:endParaRPr lang="en-DE"/>
           </a:p>
@@ -5376,7 +5377,7 @@
           <a:p>
             <a:fld id="{AB56A49A-CEC9-4682-8E60-AC886074B69E}" type="datetimeFigureOut">
               <a:rPr lang="en-DE" smtClean="0"/>
-              <a:t>27/10/2023</a:t>
+              <a:t>05/11/2023</a:t>
             </a:fld>
             <a:endParaRPr lang="en-DE"/>
           </a:p>
@@ -5689,7 +5690,7 @@
           <a:p>
             <a:fld id="{AB56A49A-CEC9-4682-8E60-AC886074B69E}" type="datetimeFigureOut">
               <a:rPr lang="en-DE" smtClean="0"/>
-              <a:t>27/10/2023</a:t>
+              <a:t>05/11/2023</a:t>
             </a:fld>
             <a:endParaRPr lang="en-DE"/>
           </a:p>
@@ -6099,7 +6100,7 @@
           <a:p>
             <a:fld id="{AB56A49A-CEC9-4682-8E60-AC886074B69E}" type="datetimeFigureOut">
               <a:rPr lang="en-DE" smtClean="0"/>
-              <a:t>27/10/2023</a:t>
+              <a:t>05/11/2023</a:t>
             </a:fld>
             <a:endParaRPr lang="en-DE" dirty="0"/>
           </a:p>
@@ -6748,7 +6749,7 @@
           <a:p>
             <a:fld id="{B10AA940-5D46-4A2F-8C86-6E65031143AB}" type="datetimeFigureOut">
               <a:rPr lang="en-DE" smtClean="0"/>
-              <a:t>27/10/2023</a:t>
+              <a:t>05/11/2023</a:t>
             </a:fld>
             <a:endParaRPr lang="en-DE"/>
           </a:p>
@@ -7224,13 +7225,24 @@
         </p:nvSpPr>
         <p:spPr/>
         <p:txBody>
-          <a:bodyPr/>
+          <a:bodyPr>
+            <a:normAutofit/>
+          </a:bodyPr>
           <a:lstStyle/>
           <a:p>
             <a:r>
               <a:rPr lang="en-DE" dirty="0"/>
               <a:t>Functional programming library for Go</a:t>
             </a:r>
+          </a:p>
+          <a:p>
+            <a:r>
+              <a:rPr lang="fr-FR" dirty="0">
+                <a:hlinkClick r:id="rId2"/>
+              </a:rPr>
+              <a:t>https://github.com/IBM/fp-go</a:t>
+            </a:r>
+            <a:endParaRPr lang="en-DE" dirty="0"/>
           </a:p>
           <a:p>
             <a:r>
@@ -7293,15 +7305,15 @@
           <a:p>
             <a:r>
               <a:rPr lang="en-DE" dirty="0"/>
-              <a:t>FP friendly </a:t>
+              <a:t>Why you might decide </a:t>
             </a:r>
             <a:r>
               <a:rPr lang="en-DE" b="1" dirty="0"/>
-              <a:t>Go</a:t>
+              <a:t>not</a:t>
             </a:r>
             <a:r>
               <a:rPr lang="en-DE" dirty="0"/>
-              <a:t> language features</a:t>
+              <a:t> to choose Go for FP?</a:t>
             </a:r>
           </a:p>
         </p:txBody>
@@ -7331,6 +7343,136 @@
           <a:p>
             <a:r>
               <a:rPr lang="en-DE" dirty="0"/>
+              <a:t>Designed to be an </a:t>
+            </a:r>
+            <a:r>
+              <a:rPr lang="en-DE" b="1" dirty="0"/>
+              <a:t>imperative</a:t>
+            </a:r>
+            <a:r>
+              <a:rPr lang="en-DE" dirty="0"/>
+              <a:t> language</a:t>
+            </a:r>
+          </a:p>
+          <a:p>
+            <a:endParaRPr lang="en-DE" dirty="0"/>
+          </a:p>
+          <a:p>
+            <a:r>
+              <a:rPr lang="en-DE" dirty="0"/>
+              <a:t>Strong opinion in the community about the </a:t>
+            </a:r>
+            <a:r>
+              <a:rPr lang="en-DE" i="1" dirty="0"/>
+              <a:t>idiomatic </a:t>
+            </a:r>
+            <a:r>
+              <a:rPr lang="en-DE" dirty="0"/>
+              <a:t>way to write code</a:t>
+            </a:r>
+          </a:p>
+          <a:p>
+            <a:endParaRPr lang="en-DE" dirty="0"/>
+          </a:p>
+          <a:p>
+            <a:r>
+              <a:rPr lang="en-DE" dirty="0"/>
+              <a:t>Generics type system still evolving</a:t>
+            </a:r>
+          </a:p>
+        </p:txBody>
+      </p:sp>
+    </p:spTree>
+    <p:extLst>
+      <p:ext uri="{BB962C8B-B14F-4D97-AF65-F5344CB8AC3E}">
+        <p14:creationId xmlns:p14="http://schemas.microsoft.com/office/powerpoint/2010/main" val="2361508373"/>
+      </p:ext>
+    </p:extLst>
+  </p:cSld>
+  <p:clrMapOvr>
+    <a:masterClrMapping/>
+  </p:clrMapOvr>
+</p:sld>
+</file>
+
+<file path=ppt/slides/slide11.xml><?xml version="1.0" encoding="utf-8"?>
+<p:sld xmlns:a="http://schemas.openxmlformats.org/drawingml/2006/main" xmlns:r="http://schemas.openxmlformats.org/officeDocument/2006/relationships" xmlns:p="http://schemas.openxmlformats.org/presentationml/2006/main">
+  <p:cSld>
+    <p:spTree>
+      <p:nvGrpSpPr>
+        <p:cNvPr id="1" name=""/>
+        <p:cNvGrpSpPr/>
+        <p:nvPr/>
+      </p:nvGrpSpPr>
+      <p:grpSpPr>
+        <a:xfrm>
+          <a:off x="0" y="0"/>
+          <a:ext cx="0" cy="0"/>
+          <a:chOff x="0" y="0"/>
+          <a:chExt cx="0" cy="0"/>
+        </a:xfrm>
+      </p:grpSpPr>
+      <p:sp>
+        <p:nvSpPr>
+          <p:cNvPr id="2" name="Title 1">
+            <a:extLst>
+              <a:ext uri="{FF2B5EF4-FFF2-40B4-BE49-F238E27FC236}">
+                <a16:creationId xmlns:a16="http://schemas.microsoft.com/office/drawing/2014/main" id="{2611208F-CE57-1E67-DA83-CD8F3F8DAADE}"/>
+              </a:ext>
+            </a:extLst>
+          </p:cNvPr>
+          <p:cNvSpPr>
+            <a:spLocks noGrp="1"/>
+          </p:cNvSpPr>
+          <p:nvPr>
+            <p:ph type="ctrTitle"/>
+          </p:nvPr>
+        </p:nvSpPr>
+        <p:spPr/>
+        <p:txBody>
+          <a:bodyPr/>
+          <a:lstStyle/>
+          <a:p>
+            <a:r>
+              <a:rPr lang="en-DE" dirty="0"/>
+              <a:t>FP friendly </a:t>
+            </a:r>
+            <a:r>
+              <a:rPr lang="en-DE" b="1" dirty="0"/>
+              <a:t>Go</a:t>
+            </a:r>
+            <a:r>
+              <a:rPr lang="en-DE" dirty="0"/>
+              <a:t> language features</a:t>
+            </a:r>
+          </a:p>
+        </p:txBody>
+      </p:sp>
+      <p:sp>
+        <p:nvSpPr>
+          <p:cNvPr id="7" name="Content Placeholder 6">
+            <a:extLst>
+              <a:ext uri="{FF2B5EF4-FFF2-40B4-BE49-F238E27FC236}">
+                <a16:creationId xmlns:a16="http://schemas.microsoft.com/office/drawing/2014/main" id="{67B0C651-A12F-BD6A-7CEA-2C59C6562CE6}"/>
+              </a:ext>
+            </a:extLst>
+          </p:cNvPr>
+          <p:cNvSpPr>
+            <a:spLocks noGrp="1"/>
+          </p:cNvSpPr>
+          <p:nvPr>
+            <p:ph idx="1"/>
+          </p:nvPr>
+        </p:nvSpPr>
+        <p:spPr/>
+        <p:txBody>
+          <a:bodyPr>
+            <a:normAutofit/>
+          </a:bodyPr>
+          <a:lstStyle/>
+          <a:p>
+            <a:r>
+              <a:rPr lang="en-DE" dirty="0"/>
               <a:t>Generics (template types) since 1.18 (2022)</a:t>
             </a:r>
           </a:p>
@@ -7385,7 +7527,7 @@
 </p:sld>
 </file>
 
-<file path=ppt/slides/slide11.xml><?xml version="1.0" encoding="utf-8"?>
+<file path=ppt/slides/slide12.xml><?xml version="1.0" encoding="utf-8"?>
 <p:sld xmlns:a="http://schemas.openxmlformats.org/drawingml/2006/main" xmlns:r="http://schemas.openxmlformats.org/officeDocument/2006/relationships" xmlns:p="http://schemas.openxmlformats.org/presentationml/2006/main">
   <p:cSld>
     <p:spTree>
@@ -8256,7 +8398,7 @@
 </p:sld>
 </file>
 
-<file path=ppt/slides/slide12.xml><?xml version="1.0" encoding="utf-8"?>
+<file path=ppt/slides/slide13.xml><?xml version="1.0" encoding="utf-8"?>
 <p:sld xmlns:a="http://schemas.openxmlformats.org/drawingml/2006/main" xmlns:r="http://schemas.openxmlformats.org/officeDocument/2006/relationships" xmlns:p="http://schemas.openxmlformats.org/presentationml/2006/main">
   <p:cSld>
     <p:spTree>
@@ -9171,7 +9313,7 @@
 </p:sld>
 </file>
 
-<file path=ppt/slides/slide13.xml><?xml version="1.0" encoding="utf-8"?>
+<file path=ppt/slides/slide14.xml><?xml version="1.0" encoding="utf-8"?>
 <p:sld xmlns:a="http://schemas.openxmlformats.org/drawingml/2006/main" xmlns:r="http://schemas.openxmlformats.org/officeDocument/2006/relationships" xmlns:p="http://schemas.openxmlformats.org/presentationml/2006/main">
   <p:cSld>
     <p:spTree>
@@ -9324,7 +9466,7 @@
 </p:sld>
 </file>
 
-<file path=ppt/slides/slide14.xml><?xml version="1.0" encoding="utf-8"?>
+<file path=ppt/slides/slide15.xml><?xml version="1.0" encoding="utf-8"?>
 <p:sld xmlns:a="http://schemas.openxmlformats.org/drawingml/2006/main" xmlns:r="http://schemas.openxmlformats.org/officeDocument/2006/relationships" xmlns:p="http://schemas.openxmlformats.org/presentationml/2006/main">
   <p:cSld>
     <p:spTree>
@@ -9506,213 +9648,6 @@
     <p:extLst>
       <p:ext uri="{BB962C8B-B14F-4D97-AF65-F5344CB8AC3E}">
         <p14:creationId xmlns:p14="http://schemas.microsoft.com/office/powerpoint/2010/main" val="3465561783"/>
-      </p:ext>
-    </p:extLst>
-  </p:cSld>
-  <p:clrMapOvr>
-    <a:masterClrMapping/>
-  </p:clrMapOvr>
-</p:sld>
-</file>
-
-<file path=ppt/slides/slide15.xml><?xml version="1.0" encoding="utf-8"?>
-<p:sld xmlns:a="http://schemas.openxmlformats.org/drawingml/2006/main" xmlns:r="http://schemas.openxmlformats.org/officeDocument/2006/relationships" xmlns:p="http://schemas.openxmlformats.org/presentationml/2006/main">
-  <p:cSld>
-    <p:spTree>
-      <p:nvGrpSpPr>
-        <p:cNvPr id="1" name=""/>
-        <p:cNvGrpSpPr/>
-        <p:nvPr/>
-      </p:nvGrpSpPr>
-      <p:grpSpPr>
-        <a:xfrm>
-          <a:off x="0" y="0"/>
-          <a:ext cx="0" cy="0"/>
-          <a:chOff x="0" y="0"/>
-          <a:chExt cx="0" cy="0"/>
-        </a:xfrm>
-      </p:grpSpPr>
-      <p:sp>
-        <p:nvSpPr>
-          <p:cNvPr id="2" name="Title 1">
-            <a:extLst>
-              <a:ext uri="{FF2B5EF4-FFF2-40B4-BE49-F238E27FC236}">
-                <a16:creationId xmlns:a16="http://schemas.microsoft.com/office/drawing/2014/main" id="{2611208F-CE57-1E67-DA83-CD8F3F8DAADE}"/>
-              </a:ext>
-            </a:extLst>
-          </p:cNvPr>
-          <p:cNvSpPr>
-            <a:spLocks noGrp="1"/>
-          </p:cNvSpPr>
-          <p:nvPr>
-            <p:ph type="ctrTitle"/>
-          </p:nvPr>
-        </p:nvSpPr>
-        <p:spPr/>
-        <p:txBody>
-          <a:bodyPr/>
-          <a:lstStyle/>
-          <a:p>
-            <a:r>
-              <a:rPr lang="en-DE" dirty="0"/>
-              <a:t>Concepts Supported by </a:t>
-            </a:r>
-            <a:r>
-              <a:rPr lang="en-DE" b="1" dirty="0" err="1"/>
-              <a:t>fp</a:t>
-            </a:r>
-            <a:r>
-              <a:rPr lang="en-DE" b="1" dirty="0"/>
-              <a:t>-go</a:t>
-            </a:r>
-            <a:endParaRPr lang="en-DE" dirty="0"/>
-          </a:p>
-        </p:txBody>
-      </p:sp>
-      <p:sp>
-        <p:nvSpPr>
-          <p:cNvPr id="7" name="Content Placeholder 6">
-            <a:extLst>
-              <a:ext uri="{FF2B5EF4-FFF2-40B4-BE49-F238E27FC236}">
-                <a16:creationId xmlns:a16="http://schemas.microsoft.com/office/drawing/2014/main" id="{67B0C651-A12F-BD6A-7CEA-2C59C6562CE6}"/>
-              </a:ext>
-            </a:extLst>
-          </p:cNvPr>
-          <p:cNvSpPr>
-            <a:spLocks noGrp="1"/>
-          </p:cNvSpPr>
-          <p:nvPr>
-            <p:ph idx="1"/>
-          </p:nvPr>
-        </p:nvSpPr>
-        <p:spPr/>
-        <p:txBody>
-          <a:bodyPr>
-            <a:normAutofit/>
-          </a:bodyPr>
-          <a:lstStyle/>
-          <a:p>
-            <a:r>
-              <a:rPr lang="en-DE" dirty="0"/>
-              <a:t>Map/Filter/Reduce</a:t>
-            </a:r>
-          </a:p>
-          <a:p>
-            <a:pPr marL="457200" lvl="1" indent="0">
-              <a:buNone/>
-            </a:pPr>
-            <a:r>
-              <a:rPr lang="fr-FR" dirty="0"/>
-              <a:t>F</a:t>
-            </a:r>
-            <a:r>
-              <a:rPr lang="en-DE" dirty="0"/>
-              <a:t>or slices and maps</a:t>
-            </a:r>
-          </a:p>
-          <a:p>
-            <a:pPr marL="457200" lvl="1" indent="0">
-              <a:buNone/>
-            </a:pPr>
-            <a:r>
-              <a:rPr lang="fr-FR" dirty="0"/>
-              <a:t>F</a:t>
-            </a:r>
-            <a:r>
-              <a:rPr lang="en-DE" dirty="0"/>
-              <a:t>or many more monadic types</a:t>
-            </a:r>
-          </a:p>
-          <a:p>
-            <a:endParaRPr lang="en-DE" dirty="0"/>
-          </a:p>
-          <a:p>
-            <a:r>
-              <a:rPr lang="en-DE" dirty="0"/>
-              <a:t>Function Composition</a:t>
-            </a:r>
-          </a:p>
-          <a:p>
-            <a:pPr marL="457200" lvl="1" indent="0">
-              <a:buNone/>
-            </a:pPr>
-            <a:r>
-              <a:rPr lang="en-DE" dirty="0"/>
-              <a:t>Pipe/Flow</a:t>
-            </a:r>
-          </a:p>
-          <a:p>
-            <a:endParaRPr lang="en-DE" dirty="0"/>
-          </a:p>
-          <a:p>
-            <a:r>
-              <a:rPr lang="en-DE" dirty="0"/>
-              <a:t>Collection of Monads</a:t>
-            </a:r>
-          </a:p>
-          <a:p>
-            <a:pPr marL="457200" lvl="1" indent="0">
-              <a:buNone/>
-            </a:pPr>
-            <a:r>
-              <a:rPr lang="en-DE" dirty="0"/>
-              <a:t>Either</a:t>
-            </a:r>
-          </a:p>
-          <a:p>
-            <a:pPr marL="457200" lvl="1" indent="0">
-              <a:buNone/>
-            </a:pPr>
-            <a:r>
-              <a:rPr lang="en-DE" dirty="0"/>
-              <a:t>Option</a:t>
-            </a:r>
-          </a:p>
-          <a:p>
-            <a:pPr marL="457200" lvl="1" indent="0">
-              <a:buNone/>
-            </a:pPr>
-            <a:r>
-              <a:rPr lang="en-DE" dirty="0"/>
-              <a:t>IO, </a:t>
-            </a:r>
-            <a:r>
-              <a:rPr lang="en-DE" dirty="0" err="1"/>
-              <a:t>IOEither</a:t>
-            </a:r>
-            <a:r>
-              <a:rPr lang="en-DE" dirty="0"/>
-              <a:t>, ...</a:t>
-            </a:r>
-          </a:p>
-          <a:p>
-            <a:pPr marL="457200" lvl="1" indent="0">
-              <a:buNone/>
-            </a:pPr>
-            <a:r>
-              <a:rPr lang="en-DE" dirty="0"/>
-              <a:t>Reader, </a:t>
-            </a:r>
-            <a:r>
-              <a:rPr lang="en-DE" dirty="0" err="1"/>
-              <a:t>ReaderIO</a:t>
-            </a:r>
-            <a:r>
-              <a:rPr lang="en-DE" dirty="0"/>
-              <a:t>, </a:t>
-            </a:r>
-            <a:r>
-              <a:rPr lang="en-DE" dirty="0" err="1"/>
-              <a:t>ReaderIOEither</a:t>
-            </a:r>
-            <a:endParaRPr lang="en-DE" dirty="0"/>
-          </a:p>
-        </p:txBody>
-      </p:sp>
-    </p:spTree>
-    <p:extLst>
-      <p:ext uri="{BB962C8B-B14F-4D97-AF65-F5344CB8AC3E}">
-        <p14:creationId xmlns:p14="http://schemas.microsoft.com/office/powerpoint/2010/main" val="1998233976"/>
       </p:ext>
     </p:extLst>
   </p:cSld>
@@ -9801,6 +9736,213 @@
           <a:p>
             <a:r>
               <a:rPr lang="en-DE" dirty="0"/>
+              <a:t>Map/Filter/Reduce</a:t>
+            </a:r>
+          </a:p>
+          <a:p>
+            <a:pPr marL="457200" lvl="1" indent="0">
+              <a:buNone/>
+            </a:pPr>
+            <a:r>
+              <a:rPr lang="fr-FR" dirty="0"/>
+              <a:t>F</a:t>
+            </a:r>
+            <a:r>
+              <a:rPr lang="en-DE" dirty="0"/>
+              <a:t>or slices and maps</a:t>
+            </a:r>
+          </a:p>
+          <a:p>
+            <a:pPr marL="457200" lvl="1" indent="0">
+              <a:buNone/>
+            </a:pPr>
+            <a:r>
+              <a:rPr lang="fr-FR" dirty="0"/>
+              <a:t>F</a:t>
+            </a:r>
+            <a:r>
+              <a:rPr lang="en-DE" dirty="0"/>
+              <a:t>or many more monadic types</a:t>
+            </a:r>
+          </a:p>
+          <a:p>
+            <a:endParaRPr lang="en-DE" dirty="0"/>
+          </a:p>
+          <a:p>
+            <a:r>
+              <a:rPr lang="en-DE" dirty="0"/>
+              <a:t>Function Composition</a:t>
+            </a:r>
+          </a:p>
+          <a:p>
+            <a:pPr marL="457200" lvl="1" indent="0">
+              <a:buNone/>
+            </a:pPr>
+            <a:r>
+              <a:rPr lang="en-DE" dirty="0"/>
+              <a:t>Pipe/Flow</a:t>
+            </a:r>
+          </a:p>
+          <a:p>
+            <a:endParaRPr lang="en-DE" dirty="0"/>
+          </a:p>
+          <a:p>
+            <a:r>
+              <a:rPr lang="en-DE" dirty="0"/>
+              <a:t>Collection of Monads</a:t>
+            </a:r>
+          </a:p>
+          <a:p>
+            <a:pPr marL="457200" lvl="1" indent="0">
+              <a:buNone/>
+            </a:pPr>
+            <a:r>
+              <a:rPr lang="en-DE" dirty="0"/>
+              <a:t>Either</a:t>
+            </a:r>
+          </a:p>
+          <a:p>
+            <a:pPr marL="457200" lvl="1" indent="0">
+              <a:buNone/>
+            </a:pPr>
+            <a:r>
+              <a:rPr lang="en-DE" dirty="0"/>
+              <a:t>Option</a:t>
+            </a:r>
+          </a:p>
+          <a:p>
+            <a:pPr marL="457200" lvl="1" indent="0">
+              <a:buNone/>
+            </a:pPr>
+            <a:r>
+              <a:rPr lang="en-DE" dirty="0"/>
+              <a:t>IO, </a:t>
+            </a:r>
+            <a:r>
+              <a:rPr lang="en-DE" dirty="0" err="1"/>
+              <a:t>IOEither</a:t>
+            </a:r>
+            <a:r>
+              <a:rPr lang="en-DE" dirty="0"/>
+              <a:t>, ...</a:t>
+            </a:r>
+          </a:p>
+          <a:p>
+            <a:pPr marL="457200" lvl="1" indent="0">
+              <a:buNone/>
+            </a:pPr>
+            <a:r>
+              <a:rPr lang="en-DE" dirty="0"/>
+              <a:t>Reader, </a:t>
+            </a:r>
+            <a:r>
+              <a:rPr lang="en-DE" dirty="0" err="1"/>
+              <a:t>ReaderIO</a:t>
+            </a:r>
+            <a:r>
+              <a:rPr lang="en-DE" dirty="0"/>
+              <a:t>, </a:t>
+            </a:r>
+            <a:r>
+              <a:rPr lang="en-DE" dirty="0" err="1"/>
+              <a:t>ReaderIOEither</a:t>
+            </a:r>
+            <a:endParaRPr lang="en-DE" dirty="0"/>
+          </a:p>
+        </p:txBody>
+      </p:sp>
+    </p:spTree>
+    <p:extLst>
+      <p:ext uri="{BB962C8B-B14F-4D97-AF65-F5344CB8AC3E}">
+        <p14:creationId xmlns:p14="http://schemas.microsoft.com/office/powerpoint/2010/main" val="1998233976"/>
+      </p:ext>
+    </p:extLst>
+  </p:cSld>
+  <p:clrMapOvr>
+    <a:masterClrMapping/>
+  </p:clrMapOvr>
+</p:sld>
+</file>
+
+<file path=ppt/slides/slide17.xml><?xml version="1.0" encoding="utf-8"?>
+<p:sld xmlns:a="http://schemas.openxmlformats.org/drawingml/2006/main" xmlns:r="http://schemas.openxmlformats.org/officeDocument/2006/relationships" xmlns:p="http://schemas.openxmlformats.org/presentationml/2006/main">
+  <p:cSld>
+    <p:spTree>
+      <p:nvGrpSpPr>
+        <p:cNvPr id="1" name=""/>
+        <p:cNvGrpSpPr/>
+        <p:nvPr/>
+      </p:nvGrpSpPr>
+      <p:grpSpPr>
+        <a:xfrm>
+          <a:off x="0" y="0"/>
+          <a:ext cx="0" cy="0"/>
+          <a:chOff x="0" y="0"/>
+          <a:chExt cx="0" cy="0"/>
+        </a:xfrm>
+      </p:grpSpPr>
+      <p:sp>
+        <p:nvSpPr>
+          <p:cNvPr id="2" name="Title 1">
+            <a:extLst>
+              <a:ext uri="{FF2B5EF4-FFF2-40B4-BE49-F238E27FC236}">
+                <a16:creationId xmlns:a16="http://schemas.microsoft.com/office/drawing/2014/main" id="{2611208F-CE57-1E67-DA83-CD8F3F8DAADE}"/>
+              </a:ext>
+            </a:extLst>
+          </p:cNvPr>
+          <p:cNvSpPr>
+            <a:spLocks noGrp="1"/>
+          </p:cNvSpPr>
+          <p:nvPr>
+            <p:ph type="ctrTitle"/>
+          </p:nvPr>
+        </p:nvSpPr>
+        <p:spPr/>
+        <p:txBody>
+          <a:bodyPr/>
+          <a:lstStyle/>
+          <a:p>
+            <a:r>
+              <a:rPr lang="en-DE" dirty="0"/>
+              <a:t>Concepts Supported by </a:t>
+            </a:r>
+            <a:r>
+              <a:rPr lang="en-DE" b="1" dirty="0" err="1"/>
+              <a:t>fp</a:t>
+            </a:r>
+            <a:r>
+              <a:rPr lang="en-DE" b="1" dirty="0"/>
+              <a:t>-go</a:t>
+            </a:r>
+            <a:endParaRPr lang="en-DE" dirty="0"/>
+          </a:p>
+        </p:txBody>
+      </p:sp>
+      <p:sp>
+        <p:nvSpPr>
+          <p:cNvPr id="7" name="Content Placeholder 6">
+            <a:extLst>
+              <a:ext uri="{FF2B5EF4-FFF2-40B4-BE49-F238E27FC236}">
+                <a16:creationId xmlns:a16="http://schemas.microsoft.com/office/drawing/2014/main" id="{67B0C651-A12F-BD6A-7CEA-2C59C6562CE6}"/>
+              </a:ext>
+            </a:extLst>
+          </p:cNvPr>
+          <p:cNvSpPr>
+            <a:spLocks noGrp="1"/>
+          </p:cNvSpPr>
+          <p:nvPr>
+            <p:ph idx="1"/>
+          </p:nvPr>
+        </p:nvSpPr>
+        <p:spPr/>
+        <p:txBody>
+          <a:bodyPr>
+            <a:normAutofit/>
+          </a:bodyPr>
+          <a:lstStyle/>
+          <a:p>
+            <a:r>
+              <a:rPr lang="en-DE" dirty="0"/>
               <a:t>Monoids/Semigroups</a:t>
             </a:r>
           </a:p>
@@ -9900,7 +10042,7 @@
 </p:sld>
 </file>
 
-<file path=ppt/slides/slide17.xml><?xml version="1.0" encoding="utf-8"?>
+<file path=ppt/slides/slide18.xml><?xml version="1.0" encoding="utf-8"?>
 <p:sld xmlns:a="http://schemas.openxmlformats.org/drawingml/2006/main" xmlns:r="http://schemas.openxmlformats.org/officeDocument/2006/relationships" xmlns:p="http://schemas.openxmlformats.org/presentationml/2006/main">
   <p:cSld>
     <p:spTree>
@@ -10613,7 +10755,7 @@
 </p:sld>
 </file>
 
-<file path=ppt/slides/slide18.xml><?xml version="1.0" encoding="utf-8"?>
+<file path=ppt/slides/slide19.xml><?xml version="1.0" encoding="utf-8"?>
 <p:sld xmlns:a="http://schemas.openxmlformats.org/drawingml/2006/main" xmlns:r="http://schemas.openxmlformats.org/officeDocument/2006/relationships" xmlns:p="http://schemas.openxmlformats.org/presentationml/2006/main">
   <p:cSld>
     <p:spTree>
@@ -12987,7 +13129,133 @@
 </p:sld>
 </file>
 
-<file path=ppt/slides/slide19.xml><?xml version="1.0" encoding="utf-8"?>
+<file path=ppt/slides/slide2.xml><?xml version="1.0" encoding="utf-8"?>
+<p:sld xmlns:a="http://schemas.openxmlformats.org/drawingml/2006/main" xmlns:r="http://schemas.openxmlformats.org/officeDocument/2006/relationships" xmlns:p="http://schemas.openxmlformats.org/presentationml/2006/main">
+  <p:cSld>
+    <p:spTree>
+      <p:nvGrpSpPr>
+        <p:cNvPr id="1" name=""/>
+        <p:cNvGrpSpPr/>
+        <p:nvPr/>
+      </p:nvGrpSpPr>
+      <p:grpSpPr>
+        <a:xfrm>
+          <a:off x="0" y="0"/>
+          <a:ext cx="0" cy="0"/>
+          <a:chOff x="0" y="0"/>
+          <a:chExt cx="0" cy="0"/>
+        </a:xfrm>
+      </p:grpSpPr>
+      <p:sp>
+        <p:nvSpPr>
+          <p:cNvPr id="2" name="Title 1">
+            <a:extLst>
+              <a:ext uri="{FF2B5EF4-FFF2-40B4-BE49-F238E27FC236}">
+                <a16:creationId xmlns:a16="http://schemas.microsoft.com/office/drawing/2014/main" id="{2611208F-CE57-1E67-DA83-CD8F3F8DAADE}"/>
+              </a:ext>
+            </a:extLst>
+          </p:cNvPr>
+          <p:cNvSpPr>
+            <a:spLocks noGrp="1"/>
+          </p:cNvSpPr>
+          <p:nvPr>
+            <p:ph type="ctrTitle"/>
+          </p:nvPr>
+        </p:nvSpPr>
+        <p:spPr/>
+        <p:txBody>
+          <a:bodyPr/>
+          <a:lstStyle/>
+          <a:p>
+            <a:r>
+              <a:rPr lang="en-DE" dirty="0"/>
+              <a:t>What we will talk about</a:t>
+            </a:r>
+          </a:p>
+        </p:txBody>
+      </p:sp>
+      <p:sp>
+        <p:nvSpPr>
+          <p:cNvPr id="7" name="Content Placeholder 6">
+            <a:extLst>
+              <a:ext uri="{FF2B5EF4-FFF2-40B4-BE49-F238E27FC236}">
+                <a16:creationId xmlns:a16="http://schemas.microsoft.com/office/drawing/2014/main" id="{67B0C651-A12F-BD6A-7CEA-2C59C6562CE6}"/>
+              </a:ext>
+            </a:extLst>
+          </p:cNvPr>
+          <p:cNvSpPr>
+            <a:spLocks noGrp="1"/>
+          </p:cNvSpPr>
+          <p:nvPr>
+            <p:ph idx="1"/>
+          </p:nvPr>
+        </p:nvSpPr>
+        <p:spPr/>
+        <p:txBody>
+          <a:bodyPr>
+            <a:normAutofit/>
+          </a:bodyPr>
+          <a:lstStyle/>
+          <a:p>
+            <a:r>
+              <a:rPr lang="en-DE" dirty="0"/>
+              <a:t>Why a library for functional program</a:t>
+            </a:r>
+            <a:r>
+              <a:rPr lang="fr-FR" dirty="0"/>
+              <a:t>m</a:t>
+            </a:r>
+            <a:r>
+              <a:rPr lang="en-DE" dirty="0" err="1"/>
+              <a:t>ing</a:t>
+            </a:r>
+            <a:r>
+              <a:rPr lang="en-DE" dirty="0"/>
+              <a:t> for </a:t>
+            </a:r>
+            <a:r>
+              <a:rPr lang="en-DE" dirty="0" err="1"/>
+              <a:t>golang</a:t>
+            </a:r>
+            <a:r>
+              <a:rPr lang="en-DE" dirty="0"/>
+              <a:t>?</a:t>
+            </a:r>
+          </a:p>
+          <a:p>
+            <a:endParaRPr lang="en-DE" dirty="0"/>
+          </a:p>
+          <a:p>
+            <a:r>
+              <a:rPr lang="en-DE" dirty="0"/>
+              <a:t>What does the library offer and how does the code look like?</a:t>
+            </a:r>
+          </a:p>
+          <a:p>
+            <a:endParaRPr lang="en-DE" dirty="0"/>
+          </a:p>
+          <a:p>
+            <a:r>
+              <a:rPr lang="en-DE" dirty="0"/>
+              <a:t>Performance considerations and conclusion</a:t>
+            </a:r>
+          </a:p>
+        </p:txBody>
+      </p:sp>
+    </p:spTree>
+    <p:extLst>
+      <p:ext uri="{BB962C8B-B14F-4D97-AF65-F5344CB8AC3E}">
+        <p14:creationId xmlns:p14="http://schemas.microsoft.com/office/powerpoint/2010/main" val="3508870733"/>
+      </p:ext>
+    </p:extLst>
+  </p:cSld>
+  <p:clrMapOvr>
+    <a:masterClrMapping/>
+  </p:clrMapOvr>
+</p:sld>
+</file>
+
+<file path=ppt/slides/slide20.xml><?xml version="1.0" encoding="utf-8"?>
 <p:sld xmlns:a="http://schemas.openxmlformats.org/drawingml/2006/main" xmlns:r="http://schemas.openxmlformats.org/officeDocument/2006/relationships" xmlns:p="http://schemas.openxmlformats.org/presentationml/2006/main">
   <p:cSld>
     <p:spTree>
@@ -16365,169 +16633,7 @@
 </p:sld>
 </file>
 
-<file path=ppt/slides/slide2.xml><?xml version="1.0" encoding="utf-8"?>
-<p:sld xmlns:a="http://schemas.openxmlformats.org/drawingml/2006/main" xmlns:r="http://schemas.openxmlformats.org/officeDocument/2006/relationships" xmlns:p="http://schemas.openxmlformats.org/presentationml/2006/main">
-  <p:cSld>
-    <p:spTree>
-      <p:nvGrpSpPr>
-        <p:cNvPr id="1" name=""/>
-        <p:cNvGrpSpPr/>
-        <p:nvPr/>
-      </p:nvGrpSpPr>
-      <p:grpSpPr>
-        <a:xfrm>
-          <a:off x="0" y="0"/>
-          <a:ext cx="0" cy="0"/>
-          <a:chOff x="0" y="0"/>
-          <a:chExt cx="0" cy="0"/>
-        </a:xfrm>
-      </p:grpSpPr>
-      <p:sp>
-        <p:nvSpPr>
-          <p:cNvPr id="2" name="Title 1">
-            <a:extLst>
-              <a:ext uri="{FF2B5EF4-FFF2-40B4-BE49-F238E27FC236}">
-                <a16:creationId xmlns:a16="http://schemas.microsoft.com/office/drawing/2014/main" id="{8A8A4F65-74BE-1DD3-E30B-690A3EC9E6F8}"/>
-              </a:ext>
-            </a:extLst>
-          </p:cNvPr>
-          <p:cNvSpPr>
-            <a:spLocks noGrp="1"/>
-          </p:cNvSpPr>
-          <p:nvPr>
-            <p:ph type="title"/>
-          </p:nvPr>
-        </p:nvSpPr>
-        <p:spPr/>
-        <p:txBody>
-          <a:bodyPr/>
-          <a:lstStyle/>
-          <a:p>
-            <a:r>
-              <a:rPr lang="en-DE" dirty="0"/>
-              <a:t>Disclaimer</a:t>
-            </a:r>
-          </a:p>
-        </p:txBody>
-      </p:sp>
-      <p:sp>
-        <p:nvSpPr>
-          <p:cNvPr id="3" name="Content Placeholder 2">
-            <a:extLst>
-              <a:ext uri="{FF2B5EF4-FFF2-40B4-BE49-F238E27FC236}">
-                <a16:creationId xmlns:a16="http://schemas.microsoft.com/office/drawing/2014/main" id="{E7781D0C-375A-0958-A2D8-1B4CD568B7CB}"/>
-              </a:ext>
-            </a:extLst>
-          </p:cNvPr>
-          <p:cNvSpPr>
-            <a:spLocks noGrp="1"/>
-          </p:cNvSpPr>
-          <p:nvPr>
-            <p:ph idx="1"/>
-          </p:nvPr>
-        </p:nvSpPr>
-        <p:spPr/>
-        <p:txBody>
-          <a:bodyPr/>
-          <a:lstStyle/>
-          <a:p>
-            <a:pPr marL="0" indent="0">
-              <a:buNone/>
-            </a:pPr>
-            <a:r>
-              <a:rPr lang="en-US" b="0" dirty="0">
-                <a:solidFill>
-                  <a:srgbClr val="232323"/>
-                </a:solidFill>
-                <a:effectLst/>
-              </a:rPr>
-              <a:t>This </a:t>
-            </a:r>
-            <a:r>
-              <a:rPr lang="en-DE" b="0" dirty="0">
-                <a:solidFill>
-                  <a:srgbClr val="232323"/>
-                </a:solidFill>
-                <a:effectLst/>
-              </a:rPr>
-              <a:t>presentation</a:t>
-            </a:r>
-            <a:r>
-              <a:rPr lang="en-US" b="0" dirty="0">
-                <a:solidFill>
-                  <a:srgbClr val="232323"/>
-                </a:solidFill>
-                <a:effectLst/>
-              </a:rPr>
-              <a:t> is not sponsored or approved by IBM. All those involved are voluntarily engaging in their individual capacities and not in their IBM roles.</a:t>
-            </a:r>
-            <a:endParaRPr lang="en-DE" b="0" dirty="0">
-              <a:solidFill>
-                <a:srgbClr val="232323"/>
-              </a:solidFill>
-              <a:effectLst/>
-            </a:endParaRPr>
-          </a:p>
-          <a:p>
-            <a:pPr marL="0" indent="0">
-              <a:buNone/>
-            </a:pPr>
-            <a:endParaRPr lang="en-DE" b="0" dirty="0">
-              <a:solidFill>
-                <a:srgbClr val="232323"/>
-              </a:solidFill>
-              <a:effectLst/>
-            </a:endParaRPr>
-          </a:p>
-          <a:p>
-            <a:pPr marL="0" indent="0">
-              <a:buNone/>
-            </a:pPr>
-            <a:r>
-              <a:rPr lang="en-US" b="0" dirty="0">
-                <a:solidFill>
-                  <a:srgbClr val="232323"/>
-                </a:solidFill>
-                <a:effectLst/>
-              </a:rPr>
-              <a:t>The </a:t>
-            </a:r>
-            <a:r>
-              <a:rPr lang="en-DE" b="0" dirty="0">
-                <a:solidFill>
-                  <a:srgbClr val="232323"/>
-                </a:solidFill>
-                <a:effectLst/>
-              </a:rPr>
-              <a:t>statements in these slides </a:t>
-            </a:r>
-            <a:r>
-              <a:rPr lang="en-US" b="0" dirty="0">
-                <a:solidFill>
-                  <a:srgbClr val="232323"/>
-                </a:solidFill>
-                <a:effectLst/>
-              </a:rPr>
-              <a:t>are my own and don't necessarily represent IBM's positions, strategies or opinions.</a:t>
-            </a:r>
-            <a:endParaRPr lang="en-DE" dirty="0"/>
-          </a:p>
-        </p:txBody>
-      </p:sp>
-    </p:spTree>
-    <p:extLst>
-      <p:ext uri="{BB962C8B-B14F-4D97-AF65-F5344CB8AC3E}">
-        <p14:creationId xmlns:p14="http://schemas.microsoft.com/office/powerpoint/2010/main" val="3960823628"/>
-      </p:ext>
-    </p:extLst>
-  </p:cSld>
-  <p:clrMapOvr>
-    <a:masterClrMapping/>
-  </p:clrMapOvr>
-</p:sld>
-</file>
-
-<file path=ppt/slides/slide20.xml><?xml version="1.0" encoding="utf-8"?>
+<file path=ppt/slides/slide21.xml><?xml version="1.0" encoding="utf-8"?>
 <p:sld xmlns:a="http://schemas.openxmlformats.org/drawingml/2006/main" xmlns:r="http://schemas.openxmlformats.org/officeDocument/2006/relationships" xmlns:p="http://schemas.openxmlformats.org/presentationml/2006/main">
   <p:cSld>
     <p:spTree>
@@ -19041,7 +19147,7 @@
 </p:sld>
 </file>
 
-<file path=ppt/slides/slide21.xml><?xml version="1.0" encoding="utf-8"?>
+<file path=ppt/slides/slide22.xml><?xml version="1.0" encoding="utf-8"?>
 <p:sld xmlns:a="http://schemas.openxmlformats.org/drawingml/2006/main" xmlns:r="http://schemas.openxmlformats.org/officeDocument/2006/relationships" xmlns:p="http://schemas.openxmlformats.org/presentationml/2006/main">
   <p:cSld>
     <p:spTree>
@@ -21571,7 +21677,7 @@
 </p:sld>
 </file>
 
-<file path=ppt/slides/slide22.xml><?xml version="1.0" encoding="utf-8"?>
+<file path=ppt/slides/slide23.xml><?xml version="1.0" encoding="utf-8"?>
 <p:sld xmlns:a="http://schemas.openxmlformats.org/drawingml/2006/main" xmlns:r="http://schemas.openxmlformats.org/officeDocument/2006/relationships" xmlns:p="http://schemas.openxmlformats.org/presentationml/2006/main">
   <p:cSld>
     <p:spTree>
@@ -22671,7 +22777,7 @@
 </p:sld>
 </file>
 
-<file path=ppt/slides/slide23.xml><?xml version="1.0" encoding="utf-8"?>
+<file path=ppt/slides/slide24.xml><?xml version="1.0" encoding="utf-8"?>
 <p:sld xmlns:a="http://schemas.openxmlformats.org/drawingml/2006/main" xmlns:r="http://schemas.openxmlformats.org/officeDocument/2006/relationships" xmlns:p="http://schemas.openxmlformats.org/presentationml/2006/main">
   <p:cSld>
     <p:spTree>
@@ -25000,7 +25106,7 @@
 </p:sld>
 </file>
 
-<file path=ppt/slides/slide24.xml><?xml version="1.0" encoding="utf-8"?>
+<file path=ppt/slides/slide25.xml><?xml version="1.0" encoding="utf-8"?>
 <p:sld xmlns:a="http://schemas.openxmlformats.org/drawingml/2006/main" xmlns:r="http://schemas.openxmlformats.org/officeDocument/2006/relationships" xmlns:p="http://schemas.openxmlformats.org/presentationml/2006/main">
   <p:cSld>
     <p:spTree>
@@ -25264,7 +25370,7 @@
 </p:sld>
 </file>
 
-<file path=ppt/slides/slide25.xml><?xml version="1.0" encoding="utf-8"?>
+<file path=ppt/slides/slide26.xml><?xml version="1.0" encoding="utf-8"?>
 <p:sld xmlns:a="http://schemas.openxmlformats.org/drawingml/2006/main" xmlns:r="http://schemas.openxmlformats.org/officeDocument/2006/relationships" xmlns:p="http://schemas.openxmlformats.org/presentationml/2006/main">
   <p:cSld>
     <p:spTree>
@@ -28365,7 +28471,7 @@
 </p:sld>
 </file>
 
-<file path=ppt/slides/slide26.xml><?xml version="1.0" encoding="utf-8"?>
+<file path=ppt/slides/slide27.xml><?xml version="1.0" encoding="utf-8"?>
 <p:sld xmlns:a="http://schemas.openxmlformats.org/drawingml/2006/main" xmlns:r="http://schemas.openxmlformats.org/officeDocument/2006/relationships" xmlns:p="http://schemas.openxmlformats.org/presentationml/2006/main">
   <p:cSld>
     <p:spTree>
@@ -30248,274 +30354,6 @@
     <p:extLst>
       <p:ext uri="{BB962C8B-B14F-4D97-AF65-F5344CB8AC3E}">
         <p14:creationId xmlns:p14="http://schemas.microsoft.com/office/powerpoint/2010/main" val="2497264289"/>
-      </p:ext>
-    </p:extLst>
-  </p:cSld>
-  <p:clrMapOvr>
-    <a:masterClrMapping/>
-  </p:clrMapOvr>
-</p:sld>
-</file>
-
-<file path=ppt/slides/slide27.xml><?xml version="1.0" encoding="utf-8"?>
-<p:sld xmlns:a="http://schemas.openxmlformats.org/drawingml/2006/main" xmlns:r="http://schemas.openxmlformats.org/officeDocument/2006/relationships" xmlns:p="http://schemas.openxmlformats.org/presentationml/2006/main">
-  <p:cSld>
-    <p:spTree>
-      <p:nvGrpSpPr>
-        <p:cNvPr id="1" name=""/>
-        <p:cNvGrpSpPr/>
-        <p:nvPr/>
-      </p:nvGrpSpPr>
-      <p:grpSpPr>
-        <a:xfrm>
-          <a:off x="0" y="0"/>
-          <a:ext cx="0" cy="0"/>
-          <a:chOff x="0" y="0"/>
-          <a:chExt cx="0" cy="0"/>
-        </a:xfrm>
-      </p:grpSpPr>
-      <p:sp>
-        <p:nvSpPr>
-          <p:cNvPr id="2" name="Title 1">
-            <a:extLst>
-              <a:ext uri="{FF2B5EF4-FFF2-40B4-BE49-F238E27FC236}">
-                <a16:creationId xmlns:a16="http://schemas.microsoft.com/office/drawing/2014/main" id="{23EAE444-9D45-DBF7-ECDC-4D221C7E325E}"/>
-              </a:ext>
-            </a:extLst>
-          </p:cNvPr>
-          <p:cNvSpPr>
-            <a:spLocks noGrp="1"/>
-          </p:cNvSpPr>
-          <p:nvPr>
-            <p:ph type="title"/>
-          </p:nvPr>
-        </p:nvSpPr>
-        <p:spPr/>
-        <p:txBody>
-          <a:bodyPr/>
-          <a:lstStyle/>
-          <a:p>
-            <a:r>
-              <a:rPr lang="en-DE" dirty="0"/>
-              <a:t>Managed Side Effects</a:t>
-            </a:r>
-          </a:p>
-        </p:txBody>
-      </p:sp>
-      <p:sp>
-        <p:nvSpPr>
-          <p:cNvPr id="5" name="Content Placeholder 4">
-            <a:extLst>
-              <a:ext uri="{FF2B5EF4-FFF2-40B4-BE49-F238E27FC236}">
-                <a16:creationId xmlns:a16="http://schemas.microsoft.com/office/drawing/2014/main" id="{1B11592B-0F66-A24F-34F2-B9B155C367ED}"/>
-              </a:ext>
-            </a:extLst>
-          </p:cNvPr>
-          <p:cNvSpPr>
-            <a:spLocks noGrp="1"/>
-          </p:cNvSpPr>
-          <p:nvPr>
-            <p:ph idx="1"/>
-          </p:nvPr>
-        </p:nvSpPr>
-        <p:spPr>
-          <a:xfrm>
-            <a:off x="838200" y="1829763"/>
-            <a:ext cx="10515600" cy="4351338"/>
-          </a:xfrm>
-        </p:spPr>
-        <p:txBody>
-          <a:bodyPr/>
-          <a:lstStyle/>
-          <a:p>
-            <a:r>
-              <a:rPr lang="en-DE" dirty="0"/>
-              <a:t>Side effects are operations that alter or rely on state outside of the scope of a function</a:t>
-            </a:r>
-          </a:p>
-          <a:p>
-            <a:pPr lvl="1"/>
-            <a:r>
-              <a:rPr lang="en-DE" dirty="0"/>
-              <a:t>Reading/Writing files, accessing the environment, logging, random numbers, time, HTTP requests, etc</a:t>
-            </a:r>
-          </a:p>
-          <a:p>
-            <a:pPr lvl="1"/>
-            <a:endParaRPr lang="en-DE" dirty="0"/>
-          </a:p>
-          <a:p>
-            <a:r>
-              <a:rPr lang="en-DE" dirty="0"/>
-              <a:t>W</a:t>
-            </a:r>
-            <a:r>
-              <a:rPr lang="en-US" dirty="0"/>
-              <a:t>e try to isolate side effects from pure functions such that their execution is effectful, but their composition remains pure</a:t>
-            </a:r>
-            <a:endParaRPr lang="en-DE" dirty="0"/>
-          </a:p>
-        </p:txBody>
-      </p:sp>
-      <p:sp>
-        <p:nvSpPr>
-          <p:cNvPr id="6" name="TextBox 5">
-            <a:extLst>
-              <a:ext uri="{FF2B5EF4-FFF2-40B4-BE49-F238E27FC236}">
-                <a16:creationId xmlns:a16="http://schemas.microsoft.com/office/drawing/2014/main" id="{6ACC6275-FF89-2797-DA89-E778CBE5998B}"/>
-              </a:ext>
-            </a:extLst>
-          </p:cNvPr>
-          <p:cNvSpPr txBox="1"/>
-          <p:nvPr/>
-        </p:nvSpPr>
-        <p:spPr>
-          <a:xfrm>
-            <a:off x="2871465" y="4818249"/>
-            <a:ext cx="5465712" cy="523220"/>
-          </a:xfrm>
-          <a:prstGeom prst="rect">
-            <a:avLst/>
-          </a:prstGeom>
-          <a:solidFill>
-            <a:srgbClr val="FFFFFF">
-              <a:alpha val="50196"/>
-            </a:srgbClr>
-          </a:solidFill>
-          <a:ln w="28575" cmpd="dbl">
-            <a:noFill/>
-          </a:ln>
-        </p:spPr>
-        <p:txBody>
-          <a:bodyPr wrap="square">
-            <a:spAutoFit/>
-          </a:bodyPr>
-          <a:lstStyle/>
-          <a:p>
-            <a:r>
-              <a:rPr lang="en-US" sz="2800" b="0" dirty="0">
-                <a:solidFill>
-                  <a:srgbClr val="AF00DB"/>
-                </a:solidFill>
-                <a:effectLst/>
-                <a:latin typeface="Fira Code" panose="020B0809050000020004" pitchFamily="49" charset="0"/>
-              </a:rPr>
-              <a:t>type</a:t>
-            </a:r>
-            <a:r>
-              <a:rPr lang="en-US" sz="2800" b="0" dirty="0">
-                <a:solidFill>
-                  <a:srgbClr val="000000"/>
-                </a:solidFill>
-                <a:effectLst/>
-                <a:latin typeface="Fira Code" panose="020B0809050000020004" pitchFamily="49" charset="0"/>
-              </a:rPr>
-              <a:t> </a:t>
-            </a:r>
-            <a:r>
-              <a:rPr lang="en-US" sz="2800" b="0" dirty="0">
-                <a:solidFill>
-                  <a:srgbClr val="267F99"/>
-                </a:solidFill>
-                <a:effectLst/>
-                <a:latin typeface="Fira Code" panose="020B0809050000020004" pitchFamily="49" charset="0"/>
-              </a:rPr>
-              <a:t>IO</a:t>
-            </a:r>
-            <a:r>
-              <a:rPr lang="en-US" sz="2800" b="0" dirty="0">
-                <a:solidFill>
-                  <a:srgbClr val="000000"/>
-                </a:solidFill>
-                <a:effectLst/>
-                <a:latin typeface="Fira Code" panose="020B0809050000020004" pitchFamily="49" charset="0"/>
-              </a:rPr>
-              <a:t>[</a:t>
-            </a:r>
-            <a:r>
-              <a:rPr lang="en-US" sz="2800" b="0" dirty="0">
-                <a:solidFill>
-                  <a:srgbClr val="267F99"/>
-                </a:solidFill>
-                <a:effectLst/>
-                <a:latin typeface="Fira Code" panose="020B0809050000020004" pitchFamily="49" charset="0"/>
-              </a:rPr>
-              <a:t>A</a:t>
-            </a:r>
-            <a:r>
-              <a:rPr lang="en-US" sz="2800" b="0" dirty="0">
-                <a:solidFill>
-                  <a:srgbClr val="000000"/>
-                </a:solidFill>
-                <a:effectLst/>
-                <a:latin typeface="Fira Code" panose="020B0809050000020004" pitchFamily="49" charset="0"/>
-              </a:rPr>
-              <a:t> </a:t>
-            </a:r>
-            <a:r>
-              <a:rPr lang="en-US" sz="2800" b="0" dirty="0">
-                <a:solidFill>
-                  <a:srgbClr val="267F99"/>
-                </a:solidFill>
-                <a:effectLst/>
-                <a:latin typeface="Fira Code" panose="020B0809050000020004" pitchFamily="49" charset="0"/>
-              </a:rPr>
-              <a:t>any</a:t>
-            </a:r>
-            <a:r>
-              <a:rPr lang="en-US" sz="2800" b="0" dirty="0">
-                <a:solidFill>
-                  <a:srgbClr val="000000"/>
-                </a:solidFill>
-                <a:effectLst/>
-                <a:latin typeface="Fira Code" panose="020B0809050000020004" pitchFamily="49" charset="0"/>
-              </a:rPr>
-              <a:t>] </a:t>
-            </a:r>
-            <a:r>
-              <a:rPr lang="en-US" sz="2800" b="0" dirty="0" err="1">
-                <a:solidFill>
-                  <a:srgbClr val="AF00DB"/>
-                </a:solidFill>
-                <a:effectLst/>
-                <a:latin typeface="Fira Code" panose="020B0809050000020004" pitchFamily="49" charset="0"/>
-              </a:rPr>
-              <a:t>func</a:t>
-            </a:r>
-            <a:r>
-              <a:rPr lang="en-US" sz="2800" b="0" dirty="0">
-                <a:solidFill>
-                  <a:srgbClr val="000000"/>
-                </a:solidFill>
-                <a:effectLst/>
-                <a:latin typeface="Fira Code" panose="020B0809050000020004" pitchFamily="49" charset="0"/>
-              </a:rPr>
-              <a:t>() </a:t>
-            </a:r>
-            <a:r>
-              <a:rPr lang="en-US" sz="2800" b="0" dirty="0">
-                <a:solidFill>
-                  <a:srgbClr val="267F99"/>
-                </a:solidFill>
-                <a:effectLst/>
-                <a:latin typeface="Fira Code" panose="020B0809050000020004" pitchFamily="49" charset="0"/>
-              </a:rPr>
-              <a:t>A</a:t>
-            </a:r>
-            <a:endParaRPr lang="en-US" sz="2800" b="0" dirty="0">
-              <a:solidFill>
-                <a:srgbClr val="000000"/>
-              </a:solidFill>
-              <a:effectLst/>
-              <a:latin typeface="Fira Code" panose="020B0809050000020004" pitchFamily="49" charset="0"/>
-            </a:endParaRPr>
-          </a:p>
-        </p:txBody>
-      </p:sp>
-    </p:spTree>
-    <p:extLst>
-      <p:ext uri="{BB962C8B-B14F-4D97-AF65-F5344CB8AC3E}">
-        <p14:creationId xmlns:p14="http://schemas.microsoft.com/office/powerpoint/2010/main" val="1488658831"/>
       </p:ext>
     </p:extLst>
   </p:cSld>
@@ -30558,6 +30396,274 @@
             <p:ph type="title"/>
           </p:nvPr>
         </p:nvSpPr>
+        <p:spPr/>
+        <p:txBody>
+          <a:bodyPr/>
+          <a:lstStyle/>
+          <a:p>
+            <a:r>
+              <a:rPr lang="en-DE" dirty="0"/>
+              <a:t>Managed Side Effects</a:t>
+            </a:r>
+          </a:p>
+        </p:txBody>
+      </p:sp>
+      <p:sp>
+        <p:nvSpPr>
+          <p:cNvPr id="5" name="Content Placeholder 4">
+            <a:extLst>
+              <a:ext uri="{FF2B5EF4-FFF2-40B4-BE49-F238E27FC236}">
+                <a16:creationId xmlns:a16="http://schemas.microsoft.com/office/drawing/2014/main" id="{1B11592B-0F66-A24F-34F2-B9B155C367ED}"/>
+              </a:ext>
+            </a:extLst>
+          </p:cNvPr>
+          <p:cNvSpPr>
+            <a:spLocks noGrp="1"/>
+          </p:cNvSpPr>
+          <p:nvPr>
+            <p:ph idx="1"/>
+          </p:nvPr>
+        </p:nvSpPr>
+        <p:spPr>
+          <a:xfrm>
+            <a:off x="838200" y="1829763"/>
+            <a:ext cx="10515600" cy="4351338"/>
+          </a:xfrm>
+        </p:spPr>
+        <p:txBody>
+          <a:bodyPr/>
+          <a:lstStyle/>
+          <a:p>
+            <a:r>
+              <a:rPr lang="en-DE" dirty="0"/>
+              <a:t>Side effects are operations that alter or rely on state outside of the scope of a function</a:t>
+            </a:r>
+          </a:p>
+          <a:p>
+            <a:pPr lvl="1"/>
+            <a:r>
+              <a:rPr lang="en-DE" dirty="0"/>
+              <a:t>Reading/Writing files, accessing the environment, logging, random numbers, time, HTTP requests, etc</a:t>
+            </a:r>
+          </a:p>
+          <a:p>
+            <a:pPr lvl="1"/>
+            <a:endParaRPr lang="en-DE" dirty="0"/>
+          </a:p>
+          <a:p>
+            <a:r>
+              <a:rPr lang="en-DE" dirty="0"/>
+              <a:t>W</a:t>
+            </a:r>
+            <a:r>
+              <a:rPr lang="en-US" dirty="0"/>
+              <a:t>e try to isolate side effects from pure functions such that their execution is effectful, but their composition remains pure</a:t>
+            </a:r>
+            <a:endParaRPr lang="en-DE" dirty="0"/>
+          </a:p>
+        </p:txBody>
+      </p:sp>
+      <p:sp>
+        <p:nvSpPr>
+          <p:cNvPr id="6" name="TextBox 5">
+            <a:extLst>
+              <a:ext uri="{FF2B5EF4-FFF2-40B4-BE49-F238E27FC236}">
+                <a16:creationId xmlns:a16="http://schemas.microsoft.com/office/drawing/2014/main" id="{6ACC6275-FF89-2797-DA89-E778CBE5998B}"/>
+              </a:ext>
+            </a:extLst>
+          </p:cNvPr>
+          <p:cNvSpPr txBox="1"/>
+          <p:nvPr/>
+        </p:nvSpPr>
+        <p:spPr>
+          <a:xfrm>
+            <a:off x="2871465" y="4818249"/>
+            <a:ext cx="5465712" cy="523220"/>
+          </a:xfrm>
+          <a:prstGeom prst="rect">
+            <a:avLst/>
+          </a:prstGeom>
+          <a:solidFill>
+            <a:srgbClr val="FFFFFF">
+              <a:alpha val="50196"/>
+            </a:srgbClr>
+          </a:solidFill>
+          <a:ln w="28575" cmpd="dbl">
+            <a:noFill/>
+          </a:ln>
+        </p:spPr>
+        <p:txBody>
+          <a:bodyPr wrap="square">
+            <a:spAutoFit/>
+          </a:bodyPr>
+          <a:lstStyle/>
+          <a:p>
+            <a:r>
+              <a:rPr lang="en-US" sz="2800" b="0" dirty="0">
+                <a:solidFill>
+                  <a:srgbClr val="AF00DB"/>
+                </a:solidFill>
+                <a:effectLst/>
+                <a:latin typeface="Fira Code" panose="020B0809050000020004" pitchFamily="49" charset="0"/>
+              </a:rPr>
+              <a:t>type</a:t>
+            </a:r>
+            <a:r>
+              <a:rPr lang="en-US" sz="2800" b="0" dirty="0">
+                <a:solidFill>
+                  <a:srgbClr val="000000"/>
+                </a:solidFill>
+                <a:effectLst/>
+                <a:latin typeface="Fira Code" panose="020B0809050000020004" pitchFamily="49" charset="0"/>
+              </a:rPr>
+              <a:t> </a:t>
+            </a:r>
+            <a:r>
+              <a:rPr lang="en-US" sz="2800" b="0" dirty="0">
+                <a:solidFill>
+                  <a:srgbClr val="267F99"/>
+                </a:solidFill>
+                <a:effectLst/>
+                <a:latin typeface="Fira Code" panose="020B0809050000020004" pitchFamily="49" charset="0"/>
+              </a:rPr>
+              <a:t>IO</a:t>
+            </a:r>
+            <a:r>
+              <a:rPr lang="en-US" sz="2800" b="0" dirty="0">
+                <a:solidFill>
+                  <a:srgbClr val="000000"/>
+                </a:solidFill>
+                <a:effectLst/>
+                <a:latin typeface="Fira Code" panose="020B0809050000020004" pitchFamily="49" charset="0"/>
+              </a:rPr>
+              <a:t>[</a:t>
+            </a:r>
+            <a:r>
+              <a:rPr lang="en-US" sz="2800" b="0" dirty="0">
+                <a:solidFill>
+                  <a:srgbClr val="267F99"/>
+                </a:solidFill>
+                <a:effectLst/>
+                <a:latin typeface="Fira Code" panose="020B0809050000020004" pitchFamily="49" charset="0"/>
+              </a:rPr>
+              <a:t>A</a:t>
+            </a:r>
+            <a:r>
+              <a:rPr lang="en-US" sz="2800" b="0" dirty="0">
+                <a:solidFill>
+                  <a:srgbClr val="000000"/>
+                </a:solidFill>
+                <a:effectLst/>
+                <a:latin typeface="Fira Code" panose="020B0809050000020004" pitchFamily="49" charset="0"/>
+              </a:rPr>
+              <a:t> </a:t>
+            </a:r>
+            <a:r>
+              <a:rPr lang="en-US" sz="2800" b="0" dirty="0">
+                <a:solidFill>
+                  <a:srgbClr val="267F99"/>
+                </a:solidFill>
+                <a:effectLst/>
+                <a:latin typeface="Fira Code" panose="020B0809050000020004" pitchFamily="49" charset="0"/>
+              </a:rPr>
+              <a:t>any</a:t>
+            </a:r>
+            <a:r>
+              <a:rPr lang="en-US" sz="2800" b="0" dirty="0">
+                <a:solidFill>
+                  <a:srgbClr val="000000"/>
+                </a:solidFill>
+                <a:effectLst/>
+                <a:latin typeface="Fira Code" panose="020B0809050000020004" pitchFamily="49" charset="0"/>
+              </a:rPr>
+              <a:t>] </a:t>
+            </a:r>
+            <a:r>
+              <a:rPr lang="en-US" sz="2800" b="0" dirty="0" err="1">
+                <a:solidFill>
+                  <a:srgbClr val="AF00DB"/>
+                </a:solidFill>
+                <a:effectLst/>
+                <a:latin typeface="Fira Code" panose="020B0809050000020004" pitchFamily="49" charset="0"/>
+              </a:rPr>
+              <a:t>func</a:t>
+            </a:r>
+            <a:r>
+              <a:rPr lang="en-US" sz="2800" b="0" dirty="0">
+                <a:solidFill>
+                  <a:srgbClr val="000000"/>
+                </a:solidFill>
+                <a:effectLst/>
+                <a:latin typeface="Fira Code" panose="020B0809050000020004" pitchFamily="49" charset="0"/>
+              </a:rPr>
+              <a:t>() </a:t>
+            </a:r>
+            <a:r>
+              <a:rPr lang="en-US" sz="2800" b="0" dirty="0">
+                <a:solidFill>
+                  <a:srgbClr val="267F99"/>
+                </a:solidFill>
+                <a:effectLst/>
+                <a:latin typeface="Fira Code" panose="020B0809050000020004" pitchFamily="49" charset="0"/>
+              </a:rPr>
+              <a:t>A</a:t>
+            </a:r>
+            <a:endParaRPr lang="en-US" sz="2800" b="0" dirty="0">
+              <a:solidFill>
+                <a:srgbClr val="000000"/>
+              </a:solidFill>
+              <a:effectLst/>
+              <a:latin typeface="Fira Code" panose="020B0809050000020004" pitchFamily="49" charset="0"/>
+            </a:endParaRPr>
+          </a:p>
+        </p:txBody>
+      </p:sp>
+    </p:spTree>
+    <p:extLst>
+      <p:ext uri="{BB962C8B-B14F-4D97-AF65-F5344CB8AC3E}">
+        <p14:creationId xmlns:p14="http://schemas.microsoft.com/office/powerpoint/2010/main" val="1488658831"/>
+      </p:ext>
+    </p:extLst>
+  </p:cSld>
+  <p:clrMapOvr>
+    <a:masterClrMapping/>
+  </p:clrMapOvr>
+</p:sld>
+</file>
+
+<file path=ppt/slides/slide29.xml><?xml version="1.0" encoding="utf-8"?>
+<p:sld xmlns:a="http://schemas.openxmlformats.org/drawingml/2006/main" xmlns:r="http://schemas.openxmlformats.org/officeDocument/2006/relationships" xmlns:p="http://schemas.openxmlformats.org/presentationml/2006/main">
+  <p:cSld>
+    <p:spTree>
+      <p:nvGrpSpPr>
+        <p:cNvPr id="1" name=""/>
+        <p:cNvGrpSpPr/>
+        <p:nvPr/>
+      </p:nvGrpSpPr>
+      <p:grpSpPr>
+        <a:xfrm>
+          <a:off x="0" y="0"/>
+          <a:ext cx="0" cy="0"/>
+          <a:chOff x="0" y="0"/>
+          <a:chExt cx="0" cy="0"/>
+        </a:xfrm>
+      </p:grpSpPr>
+      <p:sp>
+        <p:nvSpPr>
+          <p:cNvPr id="2" name="Title 1">
+            <a:extLst>
+              <a:ext uri="{FF2B5EF4-FFF2-40B4-BE49-F238E27FC236}">
+                <a16:creationId xmlns:a16="http://schemas.microsoft.com/office/drawing/2014/main" id="{23EAE444-9D45-DBF7-ECDC-4D221C7E325E}"/>
+              </a:ext>
+            </a:extLst>
+          </p:cNvPr>
+          <p:cNvSpPr>
+            <a:spLocks noGrp="1"/>
+          </p:cNvSpPr>
+          <p:nvPr>
+            <p:ph type="title"/>
+          </p:nvPr>
+        </p:nvSpPr>
         <p:spPr>
           <a:xfrm>
             <a:off x="838200" y="365125"/>
@@ -32890,7 +32996,169 @@
 </p:sld>
 </file>
 
-<file path=ppt/slides/slide29.xml><?xml version="1.0" encoding="utf-8"?>
+<file path=ppt/slides/slide3.xml><?xml version="1.0" encoding="utf-8"?>
+<p:sld xmlns:a="http://schemas.openxmlformats.org/drawingml/2006/main" xmlns:r="http://schemas.openxmlformats.org/officeDocument/2006/relationships" xmlns:p="http://schemas.openxmlformats.org/presentationml/2006/main">
+  <p:cSld>
+    <p:spTree>
+      <p:nvGrpSpPr>
+        <p:cNvPr id="1" name=""/>
+        <p:cNvGrpSpPr/>
+        <p:nvPr/>
+      </p:nvGrpSpPr>
+      <p:grpSpPr>
+        <a:xfrm>
+          <a:off x="0" y="0"/>
+          <a:ext cx="0" cy="0"/>
+          <a:chOff x="0" y="0"/>
+          <a:chExt cx="0" cy="0"/>
+        </a:xfrm>
+      </p:grpSpPr>
+      <p:sp>
+        <p:nvSpPr>
+          <p:cNvPr id="2" name="Title 1">
+            <a:extLst>
+              <a:ext uri="{FF2B5EF4-FFF2-40B4-BE49-F238E27FC236}">
+                <a16:creationId xmlns:a16="http://schemas.microsoft.com/office/drawing/2014/main" id="{8A8A4F65-74BE-1DD3-E30B-690A3EC9E6F8}"/>
+              </a:ext>
+            </a:extLst>
+          </p:cNvPr>
+          <p:cNvSpPr>
+            <a:spLocks noGrp="1"/>
+          </p:cNvSpPr>
+          <p:nvPr>
+            <p:ph type="title"/>
+          </p:nvPr>
+        </p:nvSpPr>
+        <p:spPr/>
+        <p:txBody>
+          <a:bodyPr/>
+          <a:lstStyle/>
+          <a:p>
+            <a:r>
+              <a:rPr lang="en-DE" dirty="0"/>
+              <a:t>Disclaimer</a:t>
+            </a:r>
+          </a:p>
+        </p:txBody>
+      </p:sp>
+      <p:sp>
+        <p:nvSpPr>
+          <p:cNvPr id="3" name="Content Placeholder 2">
+            <a:extLst>
+              <a:ext uri="{FF2B5EF4-FFF2-40B4-BE49-F238E27FC236}">
+                <a16:creationId xmlns:a16="http://schemas.microsoft.com/office/drawing/2014/main" id="{E7781D0C-375A-0958-A2D8-1B4CD568B7CB}"/>
+              </a:ext>
+            </a:extLst>
+          </p:cNvPr>
+          <p:cNvSpPr>
+            <a:spLocks noGrp="1"/>
+          </p:cNvSpPr>
+          <p:nvPr>
+            <p:ph idx="1"/>
+          </p:nvPr>
+        </p:nvSpPr>
+        <p:spPr/>
+        <p:txBody>
+          <a:bodyPr/>
+          <a:lstStyle/>
+          <a:p>
+            <a:pPr marL="0" indent="0">
+              <a:buNone/>
+            </a:pPr>
+            <a:r>
+              <a:rPr lang="en-US" b="0" dirty="0">
+                <a:solidFill>
+                  <a:srgbClr val="232323"/>
+                </a:solidFill>
+                <a:effectLst/>
+              </a:rPr>
+              <a:t>This </a:t>
+            </a:r>
+            <a:r>
+              <a:rPr lang="en-DE" b="0" dirty="0">
+                <a:solidFill>
+                  <a:srgbClr val="232323"/>
+                </a:solidFill>
+                <a:effectLst/>
+              </a:rPr>
+              <a:t>presentation</a:t>
+            </a:r>
+            <a:r>
+              <a:rPr lang="en-US" b="0" dirty="0">
+                <a:solidFill>
+                  <a:srgbClr val="232323"/>
+                </a:solidFill>
+                <a:effectLst/>
+              </a:rPr>
+              <a:t> is not sponsored or approved by IBM. All those involved are voluntarily engaging in their individual capacities.</a:t>
+            </a:r>
+            <a:endParaRPr lang="en-DE" b="0" dirty="0">
+              <a:solidFill>
+                <a:srgbClr val="232323"/>
+              </a:solidFill>
+              <a:effectLst/>
+            </a:endParaRPr>
+          </a:p>
+          <a:p>
+            <a:pPr marL="0" indent="0">
+              <a:buNone/>
+            </a:pPr>
+            <a:endParaRPr lang="en-DE" b="0" dirty="0">
+              <a:solidFill>
+                <a:srgbClr val="232323"/>
+              </a:solidFill>
+              <a:effectLst/>
+            </a:endParaRPr>
+          </a:p>
+          <a:p>
+            <a:pPr marL="0" indent="0">
+              <a:buNone/>
+            </a:pPr>
+            <a:r>
+              <a:rPr lang="en-US" b="0" dirty="0">
+                <a:solidFill>
+                  <a:srgbClr val="232323"/>
+                </a:solidFill>
+                <a:effectLst/>
+              </a:rPr>
+              <a:t>The </a:t>
+            </a:r>
+            <a:r>
+              <a:rPr lang="en-DE" b="0" dirty="0">
+                <a:solidFill>
+                  <a:srgbClr val="232323"/>
+                </a:solidFill>
+                <a:effectLst/>
+              </a:rPr>
+              <a:t>statements in these slides </a:t>
+            </a:r>
+            <a:r>
+              <a:rPr lang="en-US" b="0" dirty="0">
+                <a:solidFill>
+                  <a:srgbClr val="232323"/>
+                </a:solidFill>
+                <a:effectLst/>
+              </a:rPr>
+              <a:t>are my own and don't necessarily represent IBM's positions, strategies or opinions.</a:t>
+            </a:r>
+            <a:endParaRPr lang="en-DE" dirty="0"/>
+          </a:p>
+        </p:txBody>
+      </p:sp>
+    </p:spTree>
+    <p:extLst>
+      <p:ext uri="{BB962C8B-B14F-4D97-AF65-F5344CB8AC3E}">
+        <p14:creationId xmlns:p14="http://schemas.microsoft.com/office/powerpoint/2010/main" val="3960823628"/>
+      </p:ext>
+    </p:extLst>
+  </p:cSld>
+  <p:clrMapOvr>
+    <a:masterClrMapping/>
+  </p:clrMapOvr>
+</p:sld>
+</file>
+
+<file path=ppt/slides/slide30.xml><?xml version="1.0" encoding="utf-8"?>
 <p:sld xmlns:a="http://schemas.openxmlformats.org/drawingml/2006/main" xmlns:r="http://schemas.openxmlformats.org/officeDocument/2006/relationships" xmlns:p="http://schemas.openxmlformats.org/presentationml/2006/main">
   <p:cSld>
     <p:spTree>
@@ -35555,121 +35823,7 @@
 </p:sld>
 </file>
 
-<file path=ppt/slides/slide3.xml><?xml version="1.0" encoding="utf-8"?>
-<p:sld xmlns:a="http://schemas.openxmlformats.org/drawingml/2006/main" xmlns:r="http://schemas.openxmlformats.org/officeDocument/2006/relationships" xmlns:p="http://schemas.openxmlformats.org/presentationml/2006/main">
-  <p:cSld>
-    <p:spTree>
-      <p:nvGrpSpPr>
-        <p:cNvPr id="1" name=""/>
-        <p:cNvGrpSpPr/>
-        <p:nvPr/>
-      </p:nvGrpSpPr>
-      <p:grpSpPr>
-        <a:xfrm>
-          <a:off x="0" y="0"/>
-          <a:ext cx="0" cy="0"/>
-          <a:chOff x="0" y="0"/>
-          <a:chExt cx="0" cy="0"/>
-        </a:xfrm>
-      </p:grpSpPr>
-      <p:sp>
-        <p:nvSpPr>
-          <p:cNvPr id="2" name="Title 1">
-            <a:extLst>
-              <a:ext uri="{FF2B5EF4-FFF2-40B4-BE49-F238E27FC236}">
-                <a16:creationId xmlns:a16="http://schemas.microsoft.com/office/drawing/2014/main" id="{8A72B922-9485-1F24-A37D-CA8B9258CDE8}"/>
-              </a:ext>
-            </a:extLst>
-          </p:cNvPr>
-          <p:cNvSpPr>
-            <a:spLocks noGrp="1"/>
-          </p:cNvSpPr>
-          <p:nvPr>
-            <p:ph type="title"/>
-          </p:nvPr>
-        </p:nvSpPr>
-        <p:spPr/>
-        <p:txBody>
-          <a:bodyPr/>
-          <a:lstStyle/>
-          <a:p>
-            <a:r>
-              <a:rPr lang="en-DE" dirty="0"/>
-              <a:t>Kudos</a:t>
-            </a:r>
-          </a:p>
-        </p:txBody>
-      </p:sp>
-      <p:sp>
-        <p:nvSpPr>
-          <p:cNvPr id="3" name="Content Placeholder 2">
-            <a:extLst>
-              <a:ext uri="{FF2B5EF4-FFF2-40B4-BE49-F238E27FC236}">
-                <a16:creationId xmlns:a16="http://schemas.microsoft.com/office/drawing/2014/main" id="{D90C57CD-61EB-B2E5-58AD-5C1B6BABD0BE}"/>
-              </a:ext>
-            </a:extLst>
-          </p:cNvPr>
-          <p:cNvSpPr>
-            <a:spLocks noGrp="1"/>
-          </p:cNvSpPr>
-          <p:nvPr>
-            <p:ph idx="1"/>
-          </p:nvPr>
-        </p:nvSpPr>
-        <p:spPr/>
-        <p:txBody>
-          <a:bodyPr/>
-          <a:lstStyle/>
-          <a:p>
-            <a:r>
-              <a:rPr lang="en-DE" dirty="0"/>
-              <a:t>Implementation and design are largely inspired by the awesome </a:t>
-            </a:r>
-            <a:r>
-              <a:rPr lang="en-DE" b="1" dirty="0" err="1"/>
-              <a:t>fp-ts</a:t>
-            </a:r>
-            <a:r>
-              <a:rPr lang="en-DE" dirty="0"/>
-              <a:t> library by </a:t>
-            </a:r>
-            <a:r>
-              <a:rPr lang="fr-FR" b="1" dirty="0"/>
-              <a:t>Giulio Canti</a:t>
-            </a:r>
-            <a:endParaRPr lang="en-DE" b="1" dirty="0"/>
-          </a:p>
-          <a:p>
-            <a:endParaRPr lang="en-DE" b="1" dirty="0"/>
-          </a:p>
-          <a:p>
-            <a:r>
-              <a:rPr lang="fr-FR" dirty="0">
-                <a:hlinkClick r:id="rId2"/>
-              </a:rPr>
-              <a:t>https://gcanti.github.io/fp-ts/</a:t>
-            </a:r>
-            <a:endParaRPr lang="en-DE" dirty="0"/>
-          </a:p>
-          <a:p>
-            <a:endParaRPr lang="en-DE" b="1" dirty="0"/>
-          </a:p>
-        </p:txBody>
-      </p:sp>
-    </p:spTree>
-    <p:extLst>
-      <p:ext uri="{BB962C8B-B14F-4D97-AF65-F5344CB8AC3E}">
-        <p14:creationId xmlns:p14="http://schemas.microsoft.com/office/powerpoint/2010/main" val="3646909800"/>
-      </p:ext>
-    </p:extLst>
-  </p:cSld>
-  <p:clrMapOvr>
-    <a:masterClrMapping/>
-  </p:clrMapOvr>
-</p:sld>
-</file>
-
-<file path=ppt/slides/slide30.xml><?xml version="1.0" encoding="utf-8"?>
+<file path=ppt/slides/slide31.xml><?xml version="1.0" encoding="utf-8"?>
 <p:sld xmlns:a="http://schemas.openxmlformats.org/drawingml/2006/main" xmlns:r="http://schemas.openxmlformats.org/officeDocument/2006/relationships" xmlns:p="http://schemas.openxmlformats.org/presentationml/2006/main">
   <p:cSld>
     <p:spTree>
@@ -39100,7 +39254,7 @@
 </p:sld>
 </file>
 
-<file path=ppt/slides/slide31.xml><?xml version="1.0" encoding="utf-8"?>
+<file path=ppt/slides/slide32.xml><?xml version="1.0" encoding="utf-8"?>
 <p:sld xmlns:a="http://schemas.openxmlformats.org/drawingml/2006/main" xmlns:r="http://schemas.openxmlformats.org/officeDocument/2006/relationships" xmlns:p="http://schemas.openxmlformats.org/presentationml/2006/main">
   <p:cSld>
     <p:spTree>
@@ -42681,7 +42835,7 @@
 </p:sld>
 </file>
 
-<file path=ppt/slides/slide32.xml><?xml version="1.0" encoding="utf-8"?>
+<file path=ppt/slides/slide33.xml><?xml version="1.0" encoding="utf-8"?>
 <p:sld xmlns:a="http://schemas.openxmlformats.org/drawingml/2006/main" xmlns:r="http://schemas.openxmlformats.org/officeDocument/2006/relationships" xmlns:p="http://schemas.openxmlformats.org/presentationml/2006/main">
   <p:cSld>
     <p:spTree>
@@ -44232,7 +44386,7 @@
 </p:sld>
 </file>
 
-<file path=ppt/slides/slide33.xml><?xml version="1.0" encoding="utf-8"?>
+<file path=ppt/slides/slide34.xml><?xml version="1.0" encoding="utf-8"?>
 <p:sld xmlns:a="http://schemas.openxmlformats.org/drawingml/2006/main" xmlns:r="http://schemas.openxmlformats.org/officeDocument/2006/relationships" xmlns:p="http://schemas.openxmlformats.org/presentationml/2006/main">
   <p:cSld>
     <p:spTree>
@@ -44384,7 +44538,7 @@
 </p:sld>
 </file>
 
-<file path=ppt/slides/slide34.xml><?xml version="1.0" encoding="utf-8"?>
+<file path=ppt/slides/slide35.xml><?xml version="1.0" encoding="utf-8"?>
 <p:sld xmlns:a="http://schemas.openxmlformats.org/drawingml/2006/main" xmlns:r="http://schemas.openxmlformats.org/officeDocument/2006/relationships" xmlns:p="http://schemas.openxmlformats.org/presentationml/2006/main">
   <p:cSld>
     <p:spTree>
@@ -45026,7 +45180,7 @@
 </p:sld>
 </file>
 
-<file path=ppt/slides/slide35.xml><?xml version="1.0" encoding="utf-8"?>
+<file path=ppt/slides/slide36.xml><?xml version="1.0" encoding="utf-8"?>
 <p:sld xmlns:a="http://schemas.openxmlformats.org/drawingml/2006/main" xmlns:r="http://schemas.openxmlformats.org/officeDocument/2006/relationships" xmlns:p="http://schemas.openxmlformats.org/presentationml/2006/main">
   <p:cSld>
     <p:spTree>
@@ -45254,7 +45408,7 @@
 </p:sld>
 </file>
 
-<file path=ppt/slides/slide36.xml><?xml version="1.0" encoding="utf-8"?>
+<file path=ppt/slides/slide37.xml><?xml version="1.0" encoding="utf-8"?>
 <p:sld xmlns:a="http://schemas.openxmlformats.org/drawingml/2006/main" xmlns:r="http://schemas.openxmlformats.org/officeDocument/2006/relationships" xmlns:p="http://schemas.openxmlformats.org/presentationml/2006/main">
   <p:cSld>
     <p:spTree>
@@ -45413,7 +45567,7 @@
 </p:sld>
 </file>
 
-<file path=ppt/slides/slide37.xml><?xml version="1.0" encoding="utf-8"?>
+<file path=ppt/slides/slide38.xml><?xml version="1.0" encoding="utf-8"?>
 <p:sld xmlns:a="http://schemas.openxmlformats.org/drawingml/2006/main" xmlns:r="http://schemas.openxmlformats.org/officeDocument/2006/relationships" xmlns:p="http://schemas.openxmlformats.org/presentationml/2006/main">
   <p:cSld>
     <p:spTree>
@@ -47049,7 +47203,7 @@
 </p:sld>
 </file>
 
-<file path=ppt/slides/slide38.xml><?xml version="1.0" encoding="utf-8"?>
+<file path=ppt/slides/slide39.xml><?xml version="1.0" encoding="utf-8"?>
 <p:sld xmlns:a="http://schemas.openxmlformats.org/drawingml/2006/main" xmlns:r="http://schemas.openxmlformats.org/officeDocument/2006/relationships" xmlns:p="http://schemas.openxmlformats.org/presentationml/2006/main">
   <p:cSld>
     <p:spTree>
@@ -47208,7 +47362,121 @@
 </p:sld>
 </file>
 
-<file path=ppt/slides/slide39.xml><?xml version="1.0" encoding="utf-8"?>
+<file path=ppt/slides/slide4.xml><?xml version="1.0" encoding="utf-8"?>
+<p:sld xmlns:a="http://schemas.openxmlformats.org/drawingml/2006/main" xmlns:r="http://schemas.openxmlformats.org/officeDocument/2006/relationships" xmlns:p="http://schemas.openxmlformats.org/presentationml/2006/main">
+  <p:cSld>
+    <p:spTree>
+      <p:nvGrpSpPr>
+        <p:cNvPr id="1" name=""/>
+        <p:cNvGrpSpPr/>
+        <p:nvPr/>
+      </p:nvGrpSpPr>
+      <p:grpSpPr>
+        <a:xfrm>
+          <a:off x="0" y="0"/>
+          <a:ext cx="0" cy="0"/>
+          <a:chOff x="0" y="0"/>
+          <a:chExt cx="0" cy="0"/>
+        </a:xfrm>
+      </p:grpSpPr>
+      <p:sp>
+        <p:nvSpPr>
+          <p:cNvPr id="2" name="Title 1">
+            <a:extLst>
+              <a:ext uri="{FF2B5EF4-FFF2-40B4-BE49-F238E27FC236}">
+                <a16:creationId xmlns:a16="http://schemas.microsoft.com/office/drawing/2014/main" id="{8A72B922-9485-1F24-A37D-CA8B9258CDE8}"/>
+              </a:ext>
+            </a:extLst>
+          </p:cNvPr>
+          <p:cNvSpPr>
+            <a:spLocks noGrp="1"/>
+          </p:cNvSpPr>
+          <p:nvPr>
+            <p:ph type="title"/>
+          </p:nvPr>
+        </p:nvSpPr>
+        <p:spPr/>
+        <p:txBody>
+          <a:bodyPr/>
+          <a:lstStyle/>
+          <a:p>
+            <a:r>
+              <a:rPr lang="en-DE" dirty="0"/>
+              <a:t>Kudos</a:t>
+            </a:r>
+          </a:p>
+        </p:txBody>
+      </p:sp>
+      <p:sp>
+        <p:nvSpPr>
+          <p:cNvPr id="3" name="Content Placeholder 2">
+            <a:extLst>
+              <a:ext uri="{FF2B5EF4-FFF2-40B4-BE49-F238E27FC236}">
+                <a16:creationId xmlns:a16="http://schemas.microsoft.com/office/drawing/2014/main" id="{D90C57CD-61EB-B2E5-58AD-5C1B6BABD0BE}"/>
+              </a:ext>
+            </a:extLst>
+          </p:cNvPr>
+          <p:cNvSpPr>
+            <a:spLocks noGrp="1"/>
+          </p:cNvSpPr>
+          <p:nvPr>
+            <p:ph idx="1"/>
+          </p:nvPr>
+        </p:nvSpPr>
+        <p:spPr/>
+        <p:txBody>
+          <a:bodyPr/>
+          <a:lstStyle/>
+          <a:p>
+            <a:r>
+              <a:rPr lang="en-DE" dirty="0"/>
+              <a:t>Implementation and design are largely inspired by the awesome </a:t>
+            </a:r>
+            <a:r>
+              <a:rPr lang="en-DE" b="1" dirty="0" err="1"/>
+              <a:t>fp-ts</a:t>
+            </a:r>
+            <a:r>
+              <a:rPr lang="en-DE" dirty="0"/>
+              <a:t> library by </a:t>
+            </a:r>
+            <a:r>
+              <a:rPr lang="fr-FR" b="1" dirty="0"/>
+              <a:t>Giulio Canti</a:t>
+            </a:r>
+            <a:endParaRPr lang="en-DE" b="1" dirty="0"/>
+          </a:p>
+          <a:p>
+            <a:endParaRPr lang="en-DE" b="1" dirty="0"/>
+          </a:p>
+          <a:p>
+            <a:r>
+              <a:rPr lang="fr-FR" dirty="0">
+                <a:hlinkClick r:id="rId2"/>
+              </a:rPr>
+              <a:t>https://gcanti.github.io/fp-ts/</a:t>
+            </a:r>
+            <a:endParaRPr lang="en-DE" dirty="0"/>
+          </a:p>
+          <a:p>
+            <a:endParaRPr lang="en-DE" b="1" dirty="0"/>
+          </a:p>
+        </p:txBody>
+      </p:sp>
+    </p:spTree>
+    <p:extLst>
+      <p:ext uri="{BB962C8B-B14F-4D97-AF65-F5344CB8AC3E}">
+        <p14:creationId xmlns:p14="http://schemas.microsoft.com/office/powerpoint/2010/main" val="3646909800"/>
+      </p:ext>
+    </p:extLst>
+  </p:cSld>
+  <p:clrMapOvr>
+    <a:masterClrMapping/>
+  </p:clrMapOvr>
+</p:sld>
+</file>
+
+<file path=ppt/slides/slide40.xml><?xml version="1.0" encoding="utf-8"?>
 <p:sld xmlns:a="http://schemas.openxmlformats.org/drawingml/2006/main" xmlns:r="http://schemas.openxmlformats.org/officeDocument/2006/relationships" xmlns:p="http://schemas.openxmlformats.org/presentationml/2006/main">
   <p:cSld>
     <p:spTree>
@@ -47366,7 +47634,309 @@
 </p:sld>
 </file>
 
-<file path=ppt/slides/slide4.xml><?xml version="1.0" encoding="utf-8"?>
+<file path=ppt/slides/slide41.xml><?xml version="1.0" encoding="utf-8"?>
+<p:sld xmlns:a="http://schemas.openxmlformats.org/drawingml/2006/main" xmlns:r="http://schemas.openxmlformats.org/officeDocument/2006/relationships" xmlns:p="http://schemas.openxmlformats.org/presentationml/2006/main">
+  <p:cSld>
+    <p:spTree>
+      <p:nvGrpSpPr>
+        <p:cNvPr id="1" name=""/>
+        <p:cNvGrpSpPr/>
+        <p:nvPr/>
+      </p:nvGrpSpPr>
+      <p:grpSpPr>
+        <a:xfrm>
+          <a:off x="0" y="0"/>
+          <a:ext cx="0" cy="0"/>
+          <a:chOff x="0" y="0"/>
+          <a:chExt cx="0" cy="0"/>
+        </a:xfrm>
+      </p:grpSpPr>
+      <p:sp>
+        <p:nvSpPr>
+          <p:cNvPr id="4" name="Title 3">
+            <a:extLst>
+              <a:ext uri="{FF2B5EF4-FFF2-40B4-BE49-F238E27FC236}">
+                <a16:creationId xmlns:a16="http://schemas.microsoft.com/office/drawing/2014/main" id="{83754538-0E86-CFAF-32A2-022ABC9A09EC}"/>
+              </a:ext>
+            </a:extLst>
+          </p:cNvPr>
+          <p:cNvSpPr>
+            <a:spLocks noGrp="1"/>
+          </p:cNvSpPr>
+          <p:nvPr>
+            <p:ph type="ctrTitle"/>
+          </p:nvPr>
+        </p:nvSpPr>
+        <p:spPr/>
+        <p:txBody>
+          <a:bodyPr/>
+          <a:lstStyle/>
+          <a:p>
+            <a:r>
+              <a:rPr lang="en-DE" dirty="0"/>
+              <a:t>Thank you!</a:t>
+            </a:r>
+          </a:p>
+        </p:txBody>
+      </p:sp>
+      <p:sp>
+        <p:nvSpPr>
+          <p:cNvPr id="5" name="Subtitle 4">
+            <a:extLst>
+              <a:ext uri="{FF2B5EF4-FFF2-40B4-BE49-F238E27FC236}">
+                <a16:creationId xmlns:a16="http://schemas.microsoft.com/office/drawing/2014/main" id="{DF94884E-A41B-8967-D77A-F0266B3D3E8B}"/>
+              </a:ext>
+            </a:extLst>
+          </p:cNvPr>
+          <p:cNvSpPr>
+            <a:spLocks noGrp="1"/>
+          </p:cNvSpPr>
+          <p:nvPr>
+            <p:ph type="subTitle" idx="1"/>
+          </p:nvPr>
+        </p:nvSpPr>
+        <p:spPr/>
+        <p:txBody>
+          <a:bodyPr/>
+          <a:lstStyle/>
+          <a:p>
+            <a:endParaRPr lang="en-DE" dirty="0"/>
+          </a:p>
+        </p:txBody>
+      </p:sp>
+    </p:spTree>
+    <p:extLst>
+      <p:ext uri="{BB962C8B-B14F-4D97-AF65-F5344CB8AC3E}">
+        <p14:creationId xmlns:p14="http://schemas.microsoft.com/office/powerpoint/2010/main" val="421620611"/>
+      </p:ext>
+    </p:extLst>
+  </p:cSld>
+  <p:clrMapOvr>
+    <a:masterClrMapping/>
+  </p:clrMapOvr>
+</p:sld>
+</file>
+
+<file path=ppt/slides/slide42.xml><?xml version="1.0" encoding="utf-8"?>
+<p:sld xmlns:a="http://schemas.openxmlformats.org/drawingml/2006/main" xmlns:r="http://schemas.openxmlformats.org/officeDocument/2006/relationships" xmlns:p="http://schemas.openxmlformats.org/presentationml/2006/main">
+  <p:cSld>
+    <p:spTree>
+      <p:nvGrpSpPr>
+        <p:cNvPr id="1" name=""/>
+        <p:cNvGrpSpPr/>
+        <p:nvPr/>
+      </p:nvGrpSpPr>
+      <p:grpSpPr>
+        <a:xfrm>
+          <a:off x="0" y="0"/>
+          <a:ext cx="0" cy="0"/>
+          <a:chOff x="0" y="0"/>
+          <a:chExt cx="0" cy="0"/>
+        </a:xfrm>
+      </p:grpSpPr>
+      <p:sp>
+        <p:nvSpPr>
+          <p:cNvPr id="4" name="Title 3">
+            <a:extLst>
+              <a:ext uri="{FF2B5EF4-FFF2-40B4-BE49-F238E27FC236}">
+                <a16:creationId xmlns:a16="http://schemas.microsoft.com/office/drawing/2014/main" id="{D25A1029-04D2-52EF-3A6D-28C183C0835C}"/>
+              </a:ext>
+            </a:extLst>
+          </p:cNvPr>
+          <p:cNvSpPr>
+            <a:spLocks noGrp="1"/>
+          </p:cNvSpPr>
+          <p:nvPr>
+            <p:ph type="ctrTitle"/>
+          </p:nvPr>
+        </p:nvSpPr>
+        <p:spPr/>
+        <p:txBody>
+          <a:bodyPr/>
+          <a:lstStyle/>
+          <a:p>
+            <a:r>
+              <a:rPr lang="en-DE"/>
+              <a:t>Backup</a:t>
+            </a:r>
+          </a:p>
+        </p:txBody>
+      </p:sp>
+      <p:sp>
+        <p:nvSpPr>
+          <p:cNvPr id="5" name="Subtitle 4">
+            <a:extLst>
+              <a:ext uri="{FF2B5EF4-FFF2-40B4-BE49-F238E27FC236}">
+                <a16:creationId xmlns:a16="http://schemas.microsoft.com/office/drawing/2014/main" id="{07C3463F-72AF-7BB8-17D6-DFA7CA910DAC}"/>
+              </a:ext>
+            </a:extLst>
+          </p:cNvPr>
+          <p:cNvSpPr>
+            <a:spLocks noGrp="1"/>
+          </p:cNvSpPr>
+          <p:nvPr>
+            <p:ph type="subTitle" idx="1"/>
+          </p:nvPr>
+        </p:nvSpPr>
+        <p:spPr/>
+        <p:txBody>
+          <a:bodyPr/>
+          <a:lstStyle/>
+          <a:p>
+            <a:endParaRPr lang="en-DE"/>
+          </a:p>
+        </p:txBody>
+      </p:sp>
+    </p:spTree>
+    <p:extLst>
+      <p:ext uri="{BB962C8B-B14F-4D97-AF65-F5344CB8AC3E}">
+        <p14:creationId xmlns:p14="http://schemas.microsoft.com/office/powerpoint/2010/main" val="3519045478"/>
+      </p:ext>
+    </p:extLst>
+  </p:cSld>
+  <p:clrMapOvr>
+    <a:masterClrMapping/>
+  </p:clrMapOvr>
+</p:sld>
+</file>
+
+<file path=ppt/slides/slide43.xml><?xml version="1.0" encoding="utf-8"?>
+<p:sld xmlns:a="http://schemas.openxmlformats.org/drawingml/2006/main" xmlns:r="http://schemas.openxmlformats.org/officeDocument/2006/relationships" xmlns:p="http://schemas.openxmlformats.org/presentationml/2006/main">
+  <p:cSld>
+    <p:spTree>
+      <p:nvGrpSpPr>
+        <p:cNvPr id="1" name=""/>
+        <p:cNvGrpSpPr/>
+        <p:nvPr/>
+      </p:nvGrpSpPr>
+      <p:grpSpPr>
+        <a:xfrm>
+          <a:off x="0" y="0"/>
+          <a:ext cx="0" cy="0"/>
+          <a:chOff x="0" y="0"/>
+          <a:chExt cx="0" cy="0"/>
+        </a:xfrm>
+      </p:grpSpPr>
+      <p:sp>
+        <p:nvSpPr>
+          <p:cNvPr id="2" name="Title 1">
+            <a:extLst>
+              <a:ext uri="{FF2B5EF4-FFF2-40B4-BE49-F238E27FC236}">
+                <a16:creationId xmlns:a16="http://schemas.microsoft.com/office/drawing/2014/main" id="{19CA1114-FD34-A1D6-7871-BE5DB30696B5}"/>
+              </a:ext>
+            </a:extLst>
+          </p:cNvPr>
+          <p:cNvSpPr>
+            <a:spLocks noGrp="1"/>
+          </p:cNvSpPr>
+          <p:nvPr>
+            <p:ph type="title"/>
+          </p:nvPr>
+        </p:nvSpPr>
+        <p:spPr/>
+        <p:txBody>
+          <a:bodyPr/>
+          <a:lstStyle/>
+          <a:p>
+            <a:r>
+              <a:rPr lang="en-DE" dirty="0"/>
+              <a:t>Traversals</a:t>
+            </a:r>
+          </a:p>
+        </p:txBody>
+      </p:sp>
+      <p:sp>
+        <p:nvSpPr>
+          <p:cNvPr id="3" name="Content Placeholder 2">
+            <a:extLst>
+              <a:ext uri="{FF2B5EF4-FFF2-40B4-BE49-F238E27FC236}">
+                <a16:creationId xmlns:a16="http://schemas.microsoft.com/office/drawing/2014/main" id="{03C21A54-E401-FE50-6539-6E4F6D1F3A56}"/>
+              </a:ext>
+            </a:extLst>
+          </p:cNvPr>
+          <p:cNvSpPr>
+            <a:spLocks noGrp="1"/>
+          </p:cNvSpPr>
+          <p:nvPr>
+            <p:ph sz="half" idx="1"/>
+          </p:nvPr>
+        </p:nvSpPr>
+        <p:spPr/>
+        <p:txBody>
+          <a:bodyPr/>
+          <a:lstStyle/>
+          <a:p>
+            <a:r>
+              <a:rPr lang="en-DE" dirty="0"/>
+              <a:t>Traversals convert sequences of types into types of sequences</a:t>
+            </a:r>
+          </a:p>
+          <a:p>
+            <a:pPr lvl="1"/>
+            <a:r>
+              <a:rPr lang="en-DE" dirty="0"/>
+              <a:t>Array </a:t>
+            </a:r>
+            <a:r>
+              <a:rPr lang="en-DE" i="1" dirty="0"/>
+              <a:t>(slices)</a:t>
+            </a:r>
+          </a:p>
+          <a:p>
+            <a:pPr lvl="1"/>
+            <a:r>
+              <a:rPr lang="en-DE" dirty="0"/>
+              <a:t>Records </a:t>
+            </a:r>
+            <a:r>
+              <a:rPr lang="en-DE" i="1" dirty="0"/>
+              <a:t>(maps)</a:t>
+            </a:r>
+          </a:p>
+          <a:p>
+            <a:endParaRPr lang="en-DE" dirty="0"/>
+          </a:p>
+        </p:txBody>
+      </p:sp>
+      <p:sp>
+        <p:nvSpPr>
+          <p:cNvPr id="4" name="Content Placeholder 3">
+            <a:extLst>
+              <a:ext uri="{FF2B5EF4-FFF2-40B4-BE49-F238E27FC236}">
+                <a16:creationId xmlns:a16="http://schemas.microsoft.com/office/drawing/2014/main" id="{B13C9B1A-76A5-F8DE-6A32-B1D8B3551577}"/>
+              </a:ext>
+            </a:extLst>
+          </p:cNvPr>
+          <p:cNvSpPr>
+            <a:spLocks noGrp="1"/>
+          </p:cNvSpPr>
+          <p:nvPr>
+            <p:ph sz="half" idx="2"/>
+          </p:nvPr>
+        </p:nvSpPr>
+        <p:spPr/>
+        <p:txBody>
+          <a:bodyPr/>
+          <a:lstStyle/>
+          <a:p>
+            <a:endParaRPr lang="en-DE"/>
+          </a:p>
+        </p:txBody>
+      </p:sp>
+    </p:spTree>
+    <p:extLst>
+      <p:ext uri="{BB962C8B-B14F-4D97-AF65-F5344CB8AC3E}">
+        <p14:creationId xmlns:p14="http://schemas.microsoft.com/office/powerpoint/2010/main" val="3529799066"/>
+      </p:ext>
+    </p:extLst>
+  </p:cSld>
+  <p:clrMapOvr>
+    <a:masterClrMapping/>
+  </p:clrMapOvr>
+</p:sld>
+</file>
+
+<file path=ppt/slides/slide5.xml><?xml version="1.0" encoding="utf-8"?>
 <p:sld xmlns:a="http://schemas.openxmlformats.org/drawingml/2006/main" xmlns:r="http://schemas.openxmlformats.org/officeDocument/2006/relationships" xmlns:p="http://schemas.openxmlformats.org/presentationml/2006/main">
   <p:cSld>
     <p:spTree>
@@ -48446,309 +49016,7 @@
 </p:sld>
 </file>
 
-<file path=ppt/slides/slide40.xml><?xml version="1.0" encoding="utf-8"?>
-<p:sld xmlns:a="http://schemas.openxmlformats.org/drawingml/2006/main" xmlns:r="http://schemas.openxmlformats.org/officeDocument/2006/relationships" xmlns:p="http://schemas.openxmlformats.org/presentationml/2006/main">
-  <p:cSld>
-    <p:spTree>
-      <p:nvGrpSpPr>
-        <p:cNvPr id="1" name=""/>
-        <p:cNvGrpSpPr/>
-        <p:nvPr/>
-      </p:nvGrpSpPr>
-      <p:grpSpPr>
-        <a:xfrm>
-          <a:off x="0" y="0"/>
-          <a:ext cx="0" cy="0"/>
-          <a:chOff x="0" y="0"/>
-          <a:chExt cx="0" cy="0"/>
-        </a:xfrm>
-      </p:grpSpPr>
-      <p:sp>
-        <p:nvSpPr>
-          <p:cNvPr id="4" name="Title 3">
-            <a:extLst>
-              <a:ext uri="{FF2B5EF4-FFF2-40B4-BE49-F238E27FC236}">
-                <a16:creationId xmlns:a16="http://schemas.microsoft.com/office/drawing/2014/main" id="{83754538-0E86-CFAF-32A2-022ABC9A09EC}"/>
-              </a:ext>
-            </a:extLst>
-          </p:cNvPr>
-          <p:cNvSpPr>
-            <a:spLocks noGrp="1"/>
-          </p:cNvSpPr>
-          <p:nvPr>
-            <p:ph type="ctrTitle"/>
-          </p:nvPr>
-        </p:nvSpPr>
-        <p:spPr/>
-        <p:txBody>
-          <a:bodyPr/>
-          <a:lstStyle/>
-          <a:p>
-            <a:r>
-              <a:rPr lang="en-DE" dirty="0"/>
-              <a:t>Thank you!</a:t>
-            </a:r>
-          </a:p>
-        </p:txBody>
-      </p:sp>
-      <p:sp>
-        <p:nvSpPr>
-          <p:cNvPr id="5" name="Subtitle 4">
-            <a:extLst>
-              <a:ext uri="{FF2B5EF4-FFF2-40B4-BE49-F238E27FC236}">
-                <a16:creationId xmlns:a16="http://schemas.microsoft.com/office/drawing/2014/main" id="{DF94884E-A41B-8967-D77A-F0266B3D3E8B}"/>
-              </a:ext>
-            </a:extLst>
-          </p:cNvPr>
-          <p:cNvSpPr>
-            <a:spLocks noGrp="1"/>
-          </p:cNvSpPr>
-          <p:nvPr>
-            <p:ph type="subTitle" idx="1"/>
-          </p:nvPr>
-        </p:nvSpPr>
-        <p:spPr/>
-        <p:txBody>
-          <a:bodyPr/>
-          <a:lstStyle/>
-          <a:p>
-            <a:endParaRPr lang="en-DE" dirty="0"/>
-          </a:p>
-        </p:txBody>
-      </p:sp>
-    </p:spTree>
-    <p:extLst>
-      <p:ext uri="{BB962C8B-B14F-4D97-AF65-F5344CB8AC3E}">
-        <p14:creationId xmlns:p14="http://schemas.microsoft.com/office/powerpoint/2010/main" val="421620611"/>
-      </p:ext>
-    </p:extLst>
-  </p:cSld>
-  <p:clrMapOvr>
-    <a:masterClrMapping/>
-  </p:clrMapOvr>
-</p:sld>
-</file>
-
-<file path=ppt/slides/slide41.xml><?xml version="1.0" encoding="utf-8"?>
-<p:sld xmlns:a="http://schemas.openxmlformats.org/drawingml/2006/main" xmlns:r="http://schemas.openxmlformats.org/officeDocument/2006/relationships" xmlns:p="http://schemas.openxmlformats.org/presentationml/2006/main">
-  <p:cSld>
-    <p:spTree>
-      <p:nvGrpSpPr>
-        <p:cNvPr id="1" name=""/>
-        <p:cNvGrpSpPr/>
-        <p:nvPr/>
-      </p:nvGrpSpPr>
-      <p:grpSpPr>
-        <a:xfrm>
-          <a:off x="0" y="0"/>
-          <a:ext cx="0" cy="0"/>
-          <a:chOff x="0" y="0"/>
-          <a:chExt cx="0" cy="0"/>
-        </a:xfrm>
-      </p:grpSpPr>
-      <p:sp>
-        <p:nvSpPr>
-          <p:cNvPr id="4" name="Title 3">
-            <a:extLst>
-              <a:ext uri="{FF2B5EF4-FFF2-40B4-BE49-F238E27FC236}">
-                <a16:creationId xmlns:a16="http://schemas.microsoft.com/office/drawing/2014/main" id="{D25A1029-04D2-52EF-3A6D-28C183C0835C}"/>
-              </a:ext>
-            </a:extLst>
-          </p:cNvPr>
-          <p:cNvSpPr>
-            <a:spLocks noGrp="1"/>
-          </p:cNvSpPr>
-          <p:nvPr>
-            <p:ph type="ctrTitle"/>
-          </p:nvPr>
-        </p:nvSpPr>
-        <p:spPr/>
-        <p:txBody>
-          <a:bodyPr/>
-          <a:lstStyle/>
-          <a:p>
-            <a:r>
-              <a:rPr lang="en-DE"/>
-              <a:t>Backup</a:t>
-            </a:r>
-          </a:p>
-        </p:txBody>
-      </p:sp>
-      <p:sp>
-        <p:nvSpPr>
-          <p:cNvPr id="5" name="Subtitle 4">
-            <a:extLst>
-              <a:ext uri="{FF2B5EF4-FFF2-40B4-BE49-F238E27FC236}">
-                <a16:creationId xmlns:a16="http://schemas.microsoft.com/office/drawing/2014/main" id="{07C3463F-72AF-7BB8-17D6-DFA7CA910DAC}"/>
-              </a:ext>
-            </a:extLst>
-          </p:cNvPr>
-          <p:cNvSpPr>
-            <a:spLocks noGrp="1"/>
-          </p:cNvSpPr>
-          <p:nvPr>
-            <p:ph type="subTitle" idx="1"/>
-          </p:nvPr>
-        </p:nvSpPr>
-        <p:spPr/>
-        <p:txBody>
-          <a:bodyPr/>
-          <a:lstStyle/>
-          <a:p>
-            <a:endParaRPr lang="en-DE"/>
-          </a:p>
-        </p:txBody>
-      </p:sp>
-    </p:spTree>
-    <p:extLst>
-      <p:ext uri="{BB962C8B-B14F-4D97-AF65-F5344CB8AC3E}">
-        <p14:creationId xmlns:p14="http://schemas.microsoft.com/office/powerpoint/2010/main" val="3519045478"/>
-      </p:ext>
-    </p:extLst>
-  </p:cSld>
-  <p:clrMapOvr>
-    <a:masterClrMapping/>
-  </p:clrMapOvr>
-</p:sld>
-</file>
-
-<file path=ppt/slides/slide42.xml><?xml version="1.0" encoding="utf-8"?>
-<p:sld xmlns:a="http://schemas.openxmlformats.org/drawingml/2006/main" xmlns:r="http://schemas.openxmlformats.org/officeDocument/2006/relationships" xmlns:p="http://schemas.openxmlformats.org/presentationml/2006/main">
-  <p:cSld>
-    <p:spTree>
-      <p:nvGrpSpPr>
-        <p:cNvPr id="1" name=""/>
-        <p:cNvGrpSpPr/>
-        <p:nvPr/>
-      </p:nvGrpSpPr>
-      <p:grpSpPr>
-        <a:xfrm>
-          <a:off x="0" y="0"/>
-          <a:ext cx="0" cy="0"/>
-          <a:chOff x="0" y="0"/>
-          <a:chExt cx="0" cy="0"/>
-        </a:xfrm>
-      </p:grpSpPr>
-      <p:sp>
-        <p:nvSpPr>
-          <p:cNvPr id="2" name="Title 1">
-            <a:extLst>
-              <a:ext uri="{FF2B5EF4-FFF2-40B4-BE49-F238E27FC236}">
-                <a16:creationId xmlns:a16="http://schemas.microsoft.com/office/drawing/2014/main" id="{19CA1114-FD34-A1D6-7871-BE5DB30696B5}"/>
-              </a:ext>
-            </a:extLst>
-          </p:cNvPr>
-          <p:cNvSpPr>
-            <a:spLocks noGrp="1"/>
-          </p:cNvSpPr>
-          <p:nvPr>
-            <p:ph type="title"/>
-          </p:nvPr>
-        </p:nvSpPr>
-        <p:spPr/>
-        <p:txBody>
-          <a:bodyPr/>
-          <a:lstStyle/>
-          <a:p>
-            <a:r>
-              <a:rPr lang="en-DE" dirty="0"/>
-              <a:t>Traversals</a:t>
-            </a:r>
-          </a:p>
-        </p:txBody>
-      </p:sp>
-      <p:sp>
-        <p:nvSpPr>
-          <p:cNvPr id="3" name="Content Placeholder 2">
-            <a:extLst>
-              <a:ext uri="{FF2B5EF4-FFF2-40B4-BE49-F238E27FC236}">
-                <a16:creationId xmlns:a16="http://schemas.microsoft.com/office/drawing/2014/main" id="{03C21A54-E401-FE50-6539-6E4F6D1F3A56}"/>
-              </a:ext>
-            </a:extLst>
-          </p:cNvPr>
-          <p:cNvSpPr>
-            <a:spLocks noGrp="1"/>
-          </p:cNvSpPr>
-          <p:nvPr>
-            <p:ph sz="half" idx="1"/>
-          </p:nvPr>
-        </p:nvSpPr>
-        <p:spPr/>
-        <p:txBody>
-          <a:bodyPr/>
-          <a:lstStyle/>
-          <a:p>
-            <a:r>
-              <a:rPr lang="en-DE" dirty="0"/>
-              <a:t>Traversals convert sequences of types into types of sequences</a:t>
-            </a:r>
-          </a:p>
-          <a:p>
-            <a:pPr lvl="1"/>
-            <a:r>
-              <a:rPr lang="en-DE" dirty="0"/>
-              <a:t>Array </a:t>
-            </a:r>
-            <a:r>
-              <a:rPr lang="en-DE" i="1" dirty="0"/>
-              <a:t>(slices)</a:t>
-            </a:r>
-          </a:p>
-          <a:p>
-            <a:pPr lvl="1"/>
-            <a:r>
-              <a:rPr lang="en-DE" dirty="0"/>
-              <a:t>Records </a:t>
-            </a:r>
-            <a:r>
-              <a:rPr lang="en-DE" i="1" dirty="0"/>
-              <a:t>(maps)</a:t>
-            </a:r>
-          </a:p>
-          <a:p>
-            <a:endParaRPr lang="en-DE" dirty="0"/>
-          </a:p>
-        </p:txBody>
-      </p:sp>
-      <p:sp>
-        <p:nvSpPr>
-          <p:cNvPr id="4" name="Content Placeholder 3">
-            <a:extLst>
-              <a:ext uri="{FF2B5EF4-FFF2-40B4-BE49-F238E27FC236}">
-                <a16:creationId xmlns:a16="http://schemas.microsoft.com/office/drawing/2014/main" id="{B13C9B1A-76A5-F8DE-6A32-B1D8B3551577}"/>
-              </a:ext>
-            </a:extLst>
-          </p:cNvPr>
-          <p:cNvSpPr>
-            <a:spLocks noGrp="1"/>
-          </p:cNvSpPr>
-          <p:nvPr>
-            <p:ph sz="half" idx="2"/>
-          </p:nvPr>
-        </p:nvSpPr>
-        <p:spPr/>
-        <p:txBody>
-          <a:bodyPr/>
-          <a:lstStyle/>
-          <a:p>
-            <a:endParaRPr lang="en-DE"/>
-          </a:p>
-        </p:txBody>
-      </p:sp>
-    </p:spTree>
-    <p:extLst>
-      <p:ext uri="{BB962C8B-B14F-4D97-AF65-F5344CB8AC3E}">
-        <p14:creationId xmlns:p14="http://schemas.microsoft.com/office/powerpoint/2010/main" val="3529799066"/>
-      </p:ext>
-    </p:extLst>
-  </p:cSld>
-  <p:clrMapOvr>
-    <a:masterClrMapping/>
-  </p:clrMapOvr>
-</p:sld>
-</file>
-
-<file path=ppt/slides/slide5.xml><?xml version="1.0" encoding="utf-8"?>
+<file path=ppt/slides/slide6.xml><?xml version="1.0" encoding="utf-8"?>
 <p:sld xmlns:a="http://schemas.openxmlformats.org/drawingml/2006/main" xmlns:r="http://schemas.openxmlformats.org/officeDocument/2006/relationships" xmlns:p="http://schemas.openxmlformats.org/presentationml/2006/main">
   <p:cSld>
     <p:spTree>
@@ -48853,7 +49121,7 @@
             <a:pPr lvl="1"/>
             <a:r>
               <a:rPr lang="en-DE" dirty="0"/>
-              <a:t>Extensibility</a:t>
+              <a:t>Extensibility/Refactoring</a:t>
             </a:r>
           </a:p>
           <a:p>
@@ -48991,7 +49259,7 @@
 </p:sld>
 </file>
 
-<file path=ppt/slides/slide6.xml><?xml version="1.0" encoding="utf-8"?>
+<file path=ppt/slides/slide7.xml><?xml version="1.0" encoding="utf-8"?>
 <p:sld xmlns:a="http://schemas.openxmlformats.org/drawingml/2006/main" xmlns:r="http://schemas.openxmlformats.org/officeDocument/2006/relationships" xmlns:p="http://schemas.openxmlformats.org/presentationml/2006/main">
   <p:cSld>
     <p:spTree>
@@ -49195,7 +49463,7 @@
 </p:sld>
 </file>
 
-<file path=ppt/slides/slide7.xml><?xml version="1.0" encoding="utf-8"?>
+<file path=ppt/slides/slide8.xml><?xml version="1.0" encoding="utf-8"?>
 <p:sld xmlns:a="http://schemas.openxmlformats.org/drawingml/2006/main" xmlns:r="http://schemas.openxmlformats.org/officeDocument/2006/relationships" xmlns:p="http://schemas.openxmlformats.org/presentationml/2006/main">
   <p:cSld>
     <p:spTree>
@@ -49399,177 +49667,6 @@
 </p:sld>
 </file>
 
-<file path=ppt/slides/slide8.xml><?xml version="1.0" encoding="utf-8"?>
-<p:sld xmlns:a="http://schemas.openxmlformats.org/drawingml/2006/main" xmlns:r="http://schemas.openxmlformats.org/officeDocument/2006/relationships" xmlns:p="http://schemas.openxmlformats.org/presentationml/2006/main">
-  <p:cSld>
-    <p:spTree>
-      <p:nvGrpSpPr>
-        <p:cNvPr id="1" name=""/>
-        <p:cNvGrpSpPr/>
-        <p:nvPr/>
-      </p:nvGrpSpPr>
-      <p:grpSpPr>
-        <a:xfrm>
-          <a:off x="0" y="0"/>
-          <a:ext cx="0" cy="0"/>
-          <a:chOff x="0" y="0"/>
-          <a:chExt cx="0" cy="0"/>
-        </a:xfrm>
-      </p:grpSpPr>
-      <p:sp>
-        <p:nvSpPr>
-          <p:cNvPr id="2" name="Title 1">
-            <a:extLst>
-              <a:ext uri="{FF2B5EF4-FFF2-40B4-BE49-F238E27FC236}">
-                <a16:creationId xmlns:a16="http://schemas.microsoft.com/office/drawing/2014/main" id="{2611208F-CE57-1E67-DA83-CD8F3F8DAADE}"/>
-              </a:ext>
-            </a:extLst>
-          </p:cNvPr>
-          <p:cNvSpPr>
-            <a:spLocks noGrp="1"/>
-          </p:cNvSpPr>
-          <p:nvPr>
-            <p:ph type="ctrTitle"/>
-          </p:nvPr>
-        </p:nvSpPr>
-        <p:spPr/>
-        <p:txBody>
-          <a:bodyPr/>
-          <a:lstStyle/>
-          <a:p>
-            <a:r>
-              <a:rPr lang="en-DE" dirty="0"/>
-              <a:t>Why </a:t>
-            </a:r>
-            <a:r>
-              <a:rPr lang="en-DE" b="1" dirty="0"/>
-              <a:t>Go</a:t>
-            </a:r>
-            <a:r>
-              <a:rPr lang="en-DE" dirty="0"/>
-              <a:t> for FP?</a:t>
-            </a:r>
-          </a:p>
-        </p:txBody>
-      </p:sp>
-      <p:sp>
-        <p:nvSpPr>
-          <p:cNvPr id="7" name="Content Placeholder 6">
-            <a:extLst>
-              <a:ext uri="{FF2B5EF4-FFF2-40B4-BE49-F238E27FC236}">
-                <a16:creationId xmlns:a16="http://schemas.microsoft.com/office/drawing/2014/main" id="{67B0C651-A12F-BD6A-7CEA-2C59C6562CE6}"/>
-              </a:ext>
-            </a:extLst>
-          </p:cNvPr>
-          <p:cNvSpPr>
-            <a:spLocks noGrp="1"/>
-          </p:cNvSpPr>
-          <p:nvPr>
-            <p:ph idx="1"/>
-          </p:nvPr>
-        </p:nvSpPr>
-        <p:spPr/>
-        <p:txBody>
-          <a:bodyPr>
-            <a:normAutofit/>
-          </a:bodyPr>
-          <a:lstStyle/>
-          <a:p>
-            <a:r>
-              <a:rPr lang="en-DE" dirty="0"/>
-              <a:t>Huge ecosystem</a:t>
-            </a:r>
-          </a:p>
-          <a:p>
-            <a:endParaRPr lang="en-DE" dirty="0"/>
-          </a:p>
-          <a:p>
-            <a:r>
-              <a:rPr lang="en-DE" dirty="0"/>
-              <a:t>Good concurrency model</a:t>
-            </a:r>
-          </a:p>
-          <a:p>
-            <a:endParaRPr lang="en-DE" dirty="0"/>
-          </a:p>
-          <a:p>
-            <a:r>
-              <a:rPr lang="en-DE" dirty="0"/>
-              <a:t>Nice compiler toolchain</a:t>
-            </a:r>
-          </a:p>
-          <a:p>
-            <a:pPr lvl="1"/>
-            <a:r>
-              <a:rPr lang="en-DE" dirty="0"/>
-              <a:t>Self-contained binaries</a:t>
-            </a:r>
-          </a:p>
-          <a:p>
-            <a:pPr lvl="1"/>
-            <a:r>
-              <a:rPr lang="en-DE" dirty="0"/>
-              <a:t>Cross compilation</a:t>
-            </a:r>
-          </a:p>
-          <a:p>
-            <a:pPr lvl="1"/>
-            <a:r>
-              <a:rPr lang="fr-FR" dirty="0"/>
-              <a:t>F</a:t>
-            </a:r>
-            <a:r>
-              <a:rPr lang="en-DE" dirty="0" err="1"/>
-              <a:t>ast</a:t>
-            </a:r>
-            <a:endParaRPr lang="en-DE" dirty="0"/>
-          </a:p>
-          <a:p>
-            <a:endParaRPr lang="en-DE" dirty="0"/>
-          </a:p>
-          <a:p>
-            <a:r>
-              <a:rPr lang="en-DE" dirty="0"/>
-              <a:t>Beca</a:t>
-            </a:r>
-            <a:r>
-              <a:rPr lang="fr-FR" dirty="0"/>
-              <a:t>u</a:t>
-            </a:r>
-            <a:r>
-              <a:rPr lang="en-DE" dirty="0"/>
-              <a:t>se you might need to integrate with an existing system</a:t>
-            </a:r>
-          </a:p>
-          <a:p>
-            <a:r>
-              <a:rPr lang="en-DE" dirty="0"/>
-              <a:t>	docker, </a:t>
-            </a:r>
-            <a:r>
-              <a:rPr lang="en-DE" dirty="0" err="1"/>
-              <a:t>kubernetes</a:t>
-            </a:r>
-            <a:r>
-              <a:rPr lang="en-DE" dirty="0"/>
-              <a:t>, terraform, ...</a:t>
-            </a:r>
-          </a:p>
-        </p:txBody>
-      </p:sp>
-    </p:spTree>
-    <p:extLst>
-      <p:ext uri="{BB962C8B-B14F-4D97-AF65-F5344CB8AC3E}">
-        <p14:creationId xmlns:p14="http://schemas.microsoft.com/office/powerpoint/2010/main" val="4287077194"/>
-      </p:ext>
-    </p:extLst>
-  </p:cSld>
-  <p:clrMapOvr>
-    <a:masterClrMapping/>
-  </p:clrMapOvr>
-</p:sld>
-</file>
-
 <file path=ppt/slides/slide9.xml><?xml version="1.0" encoding="utf-8"?>
 <p:sld xmlns:a="http://schemas.openxmlformats.org/drawingml/2006/main" xmlns:r="http://schemas.openxmlformats.org/officeDocument/2006/relationships" xmlns:p="http://schemas.openxmlformats.org/presentationml/2006/main">
   <p:cSld>
@@ -49614,11 +49711,11 @@
             </a:r>
             <a:r>
               <a:rPr lang="en-DE" b="1" dirty="0"/>
-              <a:t>not</a:t>
+              <a:t>Go</a:t>
             </a:r>
             <a:r>
               <a:rPr lang="en-DE" dirty="0"/>
-              <a:t> to choose Go for FP?</a:t>
+              <a:t> for FP?</a:t>
             </a:r>
           </a:p>
         </p:txBody>
@@ -49648,15 +49745,16 @@
           <a:p>
             <a:r>
               <a:rPr lang="en-DE" dirty="0"/>
-              <a:t>Designed to be an </a:t>
-            </a:r>
-            <a:r>
-              <a:rPr lang="en-DE" b="1" dirty="0"/>
-              <a:t>imperative</a:t>
-            </a:r>
+              <a:t>Huge ecosystem</a:t>
+            </a:r>
+          </a:p>
+          <a:p>
+            <a:endParaRPr lang="en-DE" dirty="0"/>
+          </a:p>
+          <a:p>
             <a:r>
               <a:rPr lang="en-DE" dirty="0"/>
-              <a:t> language</a:t>
+              <a:t>Good concurrency model</a:t>
             </a:r>
           </a:p>
           <a:p>
@@ -49665,24 +49763,64 @@
           <a:p>
             <a:r>
               <a:rPr lang="en-DE" dirty="0"/>
-              <a:t>Strong opinion in the community about the </a:t>
-            </a:r>
-            <a:r>
-              <a:rPr lang="en-DE" i="1" dirty="0"/>
-              <a:t>idiomatic </a:t>
-            </a:r>
+              <a:t>Nice compiler toolchain</a:t>
+            </a:r>
+          </a:p>
+          <a:p>
+            <a:pPr lvl="1"/>
             <a:r>
               <a:rPr lang="en-DE" dirty="0"/>
-              <a:t>way to write code</a:t>
-            </a:r>
-          </a:p>
-          <a:p>
+              <a:t>Self-contained binaries</a:t>
+            </a:r>
+          </a:p>
+          <a:p>
+            <a:pPr lvl="1"/>
+            <a:r>
+              <a:rPr lang="en-DE" dirty="0"/>
+              <a:t>Cross compilation</a:t>
+            </a:r>
+          </a:p>
+          <a:p>
+            <a:pPr lvl="1"/>
+            <a:r>
+              <a:rPr lang="fr-FR" dirty="0"/>
+              <a:t>F</a:t>
+            </a:r>
+            <a:r>
+              <a:rPr lang="en-DE" dirty="0" err="1"/>
+              <a:t>ast</a:t>
+            </a:r>
             <a:endParaRPr lang="en-DE" dirty="0"/>
           </a:p>
           <a:p>
+            <a:endParaRPr lang="en-DE" dirty="0"/>
+          </a:p>
+          <a:p>
             <a:r>
               <a:rPr lang="en-DE" dirty="0"/>
-              <a:t>Generics type system still evolving</a:t>
+              <a:t>Beca</a:t>
+            </a:r>
+            <a:r>
+              <a:rPr lang="fr-FR" dirty="0"/>
+              <a:t>u</a:t>
+            </a:r>
+            <a:r>
+              <a:rPr lang="en-DE" dirty="0"/>
+              <a:t>se you might need to integrate with an existing system</a:t>
+            </a:r>
+          </a:p>
+          <a:p>
+            <a:r>
+              <a:rPr lang="en-DE" dirty="0"/>
+              <a:t>	docker, </a:t>
+            </a:r>
+            <a:r>
+              <a:rPr lang="en-DE" dirty="0" err="1"/>
+              <a:t>kubernetes</a:t>
+            </a:r>
+            <a:r>
+              <a:rPr lang="en-DE" dirty="0"/>
+              <a:t>, terraform, ...</a:t>
             </a:r>
           </a:p>
         </p:txBody>
@@ -49690,7 +49828,7 @@
     </p:spTree>
     <p:extLst>
       <p:ext uri="{BB962C8B-B14F-4D97-AF65-F5344CB8AC3E}">
-        <p14:creationId xmlns:p14="http://schemas.microsoft.com/office/powerpoint/2010/main" val="2361508373"/>
+        <p14:creationId xmlns:p14="http://schemas.microsoft.com/office/powerpoint/2010/main" val="4287077194"/>
       </p:ext>
     </p:extLst>
   </p:cSld>

--- a/samples/presentation/introduction.pptx
+++ b/samples/presentation/introduction.pptx
@@ -42,8 +42,8 @@
     <p:sldId id="299" r:id="rId36"/>
     <p:sldId id="300" r:id="rId37"/>
     <p:sldId id="301" r:id="rId38"/>
-    <p:sldId id="302" r:id="rId39"/>
-    <p:sldId id="303" r:id="rId40"/>
+    <p:sldId id="303" r:id="rId39"/>
+    <p:sldId id="302" r:id="rId40"/>
     <p:sldId id="277" r:id="rId41"/>
     <p:sldId id="261" r:id="rId42"/>
     <p:sldId id="297" r:id="rId43"/>
@@ -304,7 +304,7 @@
           <a:p>
             <a:fld id="{AB56A49A-CEC9-4682-8E60-AC886074B69E}" type="datetimeFigureOut">
               <a:rPr lang="en-DE" smtClean="0"/>
-              <a:t>05/11/2023</a:t>
+              <a:t>11/07/2023</a:t>
             </a:fld>
             <a:endParaRPr lang="en-DE"/>
           </a:p>
@@ -593,7 +593,7 @@
           <a:p>
             <a:fld id="{AB56A49A-CEC9-4682-8E60-AC886074B69E}" type="datetimeFigureOut">
               <a:rPr lang="en-DE" smtClean="0"/>
-              <a:t>05/11/2023</a:t>
+              <a:t>11/07/2023</a:t>
             </a:fld>
             <a:endParaRPr lang="en-DE"/>
           </a:p>
@@ -793,7 +793,7 @@
           <a:p>
             <a:fld id="{AB56A49A-CEC9-4682-8E60-AC886074B69E}" type="datetimeFigureOut">
               <a:rPr lang="en-DE" smtClean="0"/>
-              <a:t>05/11/2023</a:t>
+              <a:t>11/07/2023</a:t>
             </a:fld>
             <a:endParaRPr lang="en-DE"/>
           </a:p>
@@ -1003,7 +1003,7 @@
           <a:p>
             <a:fld id="{AB56A49A-CEC9-4682-8E60-AC886074B69E}" type="datetimeFigureOut">
               <a:rPr lang="en-DE" smtClean="0"/>
-              <a:t>05/11/2023</a:t>
+              <a:t>11/07/2023</a:t>
             </a:fld>
             <a:endParaRPr lang="en-DE"/>
           </a:p>
@@ -1225,7 +1225,7 @@
           <a:p>
             <a:fld id="{B10AA940-5D46-4A2F-8C86-6E65031143AB}" type="datetimeFigureOut">
               <a:rPr lang="en-DE" smtClean="0"/>
-              <a:t>05/11/2023</a:t>
+              <a:t>11/07/2023</a:t>
             </a:fld>
             <a:endParaRPr lang="en-DE"/>
           </a:p>
@@ -1425,7 +1425,7 @@
           <a:p>
             <a:fld id="{B10AA940-5D46-4A2F-8C86-6E65031143AB}" type="datetimeFigureOut">
               <a:rPr lang="en-DE" smtClean="0"/>
-              <a:t>05/11/2023</a:t>
+              <a:t>11/07/2023</a:t>
             </a:fld>
             <a:endParaRPr lang="en-DE"/>
           </a:p>
@@ -1701,7 +1701,7 @@
           <a:p>
             <a:fld id="{B10AA940-5D46-4A2F-8C86-6E65031143AB}" type="datetimeFigureOut">
               <a:rPr lang="en-DE" smtClean="0"/>
-              <a:t>05/11/2023</a:t>
+              <a:t>11/07/2023</a:t>
             </a:fld>
             <a:endParaRPr lang="en-DE"/>
           </a:p>
@@ -1969,7 +1969,7 @@
           <a:p>
             <a:fld id="{B10AA940-5D46-4A2F-8C86-6E65031143AB}" type="datetimeFigureOut">
               <a:rPr lang="en-DE" smtClean="0"/>
-              <a:t>05/11/2023</a:t>
+              <a:t>11/07/2023</a:t>
             </a:fld>
             <a:endParaRPr lang="en-DE"/>
           </a:p>
@@ -2384,7 +2384,7 @@
           <a:p>
             <a:fld id="{B10AA940-5D46-4A2F-8C86-6E65031143AB}" type="datetimeFigureOut">
               <a:rPr lang="en-DE" smtClean="0"/>
-              <a:t>05/11/2023</a:t>
+              <a:t>11/07/2023</a:t>
             </a:fld>
             <a:endParaRPr lang="en-DE"/>
           </a:p>
@@ -2526,7 +2526,7 @@
           <a:p>
             <a:fld id="{B10AA940-5D46-4A2F-8C86-6E65031143AB}" type="datetimeFigureOut">
               <a:rPr lang="en-DE" smtClean="0"/>
-              <a:t>05/11/2023</a:t>
+              <a:t>11/07/2023</a:t>
             </a:fld>
             <a:endParaRPr lang="en-DE"/>
           </a:p>
@@ -2639,7 +2639,7 @@
           <a:p>
             <a:fld id="{B10AA940-5D46-4A2F-8C86-6E65031143AB}" type="datetimeFigureOut">
               <a:rPr lang="en-DE" smtClean="0"/>
-              <a:t>05/11/2023</a:t>
+              <a:t>11/07/2023</a:t>
             </a:fld>
             <a:endParaRPr lang="en-DE"/>
           </a:p>
@@ -2804,7 +2804,7 @@
           <a:p>
             <a:fld id="{AB56A49A-CEC9-4682-8E60-AC886074B69E}" type="datetimeFigureOut">
               <a:rPr lang="en-DE" smtClean="0"/>
-              <a:t>05/11/2023</a:t>
+              <a:t>11/07/2023</a:t>
             </a:fld>
             <a:endParaRPr lang="en-DE"/>
           </a:p>
@@ -3243,7 +3243,7 @@
           <a:p>
             <a:fld id="{B10AA940-5D46-4A2F-8C86-6E65031143AB}" type="datetimeFigureOut">
               <a:rPr lang="en-DE" smtClean="0"/>
-              <a:t>05/11/2023</a:t>
+              <a:t>11/07/2023</a:t>
             </a:fld>
             <a:endParaRPr lang="en-DE"/>
           </a:p>
@@ -3532,7 +3532,7 @@
           <a:p>
             <a:fld id="{B10AA940-5D46-4A2F-8C86-6E65031143AB}" type="datetimeFigureOut">
               <a:rPr lang="en-DE" smtClean="0"/>
-              <a:t>05/11/2023</a:t>
+              <a:t>11/07/2023</a:t>
             </a:fld>
             <a:endParaRPr lang="en-DE"/>
           </a:p>
@@ -3732,7 +3732,7 @@
           <a:p>
             <a:fld id="{B10AA940-5D46-4A2F-8C86-6E65031143AB}" type="datetimeFigureOut">
               <a:rPr lang="en-DE" smtClean="0"/>
-              <a:t>05/11/2023</a:t>
+              <a:t>11/07/2023</a:t>
             </a:fld>
             <a:endParaRPr lang="en-DE"/>
           </a:p>
@@ -3942,7 +3942,7 @@
           <a:p>
             <a:fld id="{B10AA940-5D46-4A2F-8C86-6E65031143AB}" type="datetimeFigureOut">
               <a:rPr lang="en-DE" smtClean="0"/>
-              <a:t>05/11/2023</a:t>
+              <a:t>11/07/2023</a:t>
             </a:fld>
             <a:endParaRPr lang="en-DE"/>
           </a:p>
@@ -4163,7 +4163,7 @@
           <a:p>
             <a:fld id="{AB56A49A-CEC9-4682-8E60-AC886074B69E}" type="datetimeFigureOut">
               <a:rPr lang="en-DE" smtClean="0"/>
-              <a:t>05/11/2023</a:t>
+              <a:t>11/07/2023</a:t>
             </a:fld>
             <a:endParaRPr lang="en-DE"/>
           </a:p>
@@ -4439,7 +4439,7 @@
           <a:p>
             <a:fld id="{AB56A49A-CEC9-4682-8E60-AC886074B69E}" type="datetimeFigureOut">
               <a:rPr lang="en-DE" smtClean="0"/>
-              <a:t>05/11/2023</a:t>
+              <a:t>11/07/2023</a:t>
             </a:fld>
             <a:endParaRPr lang="en-DE"/>
           </a:p>
@@ -4707,7 +4707,7 @@
           <a:p>
             <a:fld id="{AB56A49A-CEC9-4682-8E60-AC886074B69E}" type="datetimeFigureOut">
               <a:rPr lang="en-DE" smtClean="0"/>
-              <a:t>05/11/2023</a:t>
+              <a:t>11/07/2023</a:t>
             </a:fld>
             <a:endParaRPr lang="en-DE"/>
           </a:p>
@@ -5122,7 +5122,7 @@
           <a:p>
             <a:fld id="{AB56A49A-CEC9-4682-8E60-AC886074B69E}" type="datetimeFigureOut">
               <a:rPr lang="en-DE" smtClean="0"/>
-              <a:t>05/11/2023</a:t>
+              <a:t>11/07/2023</a:t>
             </a:fld>
             <a:endParaRPr lang="en-DE"/>
           </a:p>
@@ -5264,7 +5264,7 @@
           <a:p>
             <a:fld id="{AB56A49A-CEC9-4682-8E60-AC886074B69E}" type="datetimeFigureOut">
               <a:rPr lang="en-DE" smtClean="0"/>
-              <a:t>05/11/2023</a:t>
+              <a:t>11/07/2023</a:t>
             </a:fld>
             <a:endParaRPr lang="en-DE"/>
           </a:p>
@@ -5377,7 +5377,7 @@
           <a:p>
             <a:fld id="{AB56A49A-CEC9-4682-8E60-AC886074B69E}" type="datetimeFigureOut">
               <a:rPr lang="en-DE" smtClean="0"/>
-              <a:t>05/11/2023</a:t>
+              <a:t>11/07/2023</a:t>
             </a:fld>
             <a:endParaRPr lang="en-DE"/>
           </a:p>
@@ -5690,7 +5690,7 @@
           <a:p>
             <a:fld id="{AB56A49A-CEC9-4682-8E60-AC886074B69E}" type="datetimeFigureOut">
               <a:rPr lang="en-DE" smtClean="0"/>
-              <a:t>05/11/2023</a:t>
+              <a:t>11/07/2023</a:t>
             </a:fld>
             <a:endParaRPr lang="en-DE"/>
           </a:p>
@@ -5838,7 +5838,7 @@
               <a:t>t</a:t>
             </a:r>
             <a:r>
-              <a:rPr lang="en-DE" sz="1600" dirty="0" err="1">
+              <a:rPr lang="en-DE" sz="1600" dirty="0">
                 <a:solidFill>
                   <a:schemeClr val="accent1">
                     <a:lumMod val="60000"/>
@@ -5847,10 +5847,10 @@
                 </a:solidFill>
                 <a:latin typeface="Century Gothic" panose="020B0502020202020204" pitchFamily="34" charset="0"/>
               </a:rPr>
-              <a:t>roduction</a:t>
-            </a:r>
-            <a:r>
-              <a:rPr lang="en-DE" sz="1600" dirty="0">
+              <a:t>roduction to fp-go – functional programming for </a:t>
+            </a:r>
+            <a:r>
+              <a:rPr lang="de-DE" sz="1600" dirty="0" err="1">
                 <a:solidFill>
                   <a:schemeClr val="accent1">
                     <a:lumMod val="60000"/>
@@ -5859,43 +5859,7 @@
                 </a:solidFill>
                 <a:latin typeface="Century Gothic" panose="020B0502020202020204" pitchFamily="34" charset="0"/>
               </a:rPr>
-              <a:t> to </a:t>
-            </a:r>
-            <a:r>
-              <a:rPr lang="en-DE" sz="1600" dirty="0" err="1">
-                <a:solidFill>
-                  <a:schemeClr val="accent1">
-                    <a:lumMod val="60000"/>
-                    <a:lumOff val="40000"/>
-                  </a:schemeClr>
-                </a:solidFill>
-                <a:latin typeface="Century Gothic" panose="020B0502020202020204" pitchFamily="34" charset="0"/>
-              </a:rPr>
-              <a:t>fp</a:t>
-            </a:r>
-            <a:r>
-              <a:rPr lang="en-DE" sz="1600" dirty="0">
-                <a:solidFill>
-                  <a:schemeClr val="accent1">
-                    <a:lumMod val="60000"/>
-                    <a:lumOff val="40000"/>
-                  </a:schemeClr>
-                </a:solidFill>
-                <a:latin typeface="Century Gothic" panose="020B0502020202020204" pitchFamily="34" charset="0"/>
-              </a:rPr>
-              <a:t>-go – functional programming for </a:t>
-            </a:r>
-            <a:r>
-              <a:rPr lang="en-DE" sz="1600" dirty="0" err="1">
-                <a:solidFill>
-                  <a:schemeClr val="accent1">
-                    <a:lumMod val="60000"/>
-                    <a:lumOff val="40000"/>
-                  </a:schemeClr>
-                </a:solidFill>
-                <a:latin typeface="Century Gothic" panose="020B0502020202020204" pitchFamily="34" charset="0"/>
-              </a:rPr>
-              <a:t>golang</a:t>
+              <a:t>Golang</a:t>
             </a:r>
             <a:endParaRPr lang="en-DE" sz="1600" dirty="0">
               <a:solidFill>
@@ -6100,7 +6064,7 @@
           <a:p>
             <a:fld id="{AB56A49A-CEC9-4682-8E60-AC886074B69E}" type="datetimeFigureOut">
               <a:rPr lang="en-DE" smtClean="0"/>
-              <a:t>05/11/2023</a:t>
+              <a:t>11/07/2023</a:t>
             </a:fld>
             <a:endParaRPr lang="en-DE" dirty="0"/>
           </a:p>
@@ -6749,7 +6713,7 @@
           <a:p>
             <a:fld id="{B10AA940-5D46-4A2F-8C86-6E65031143AB}" type="datetimeFigureOut">
               <a:rPr lang="en-DE" smtClean="0"/>
-              <a:t>05/11/2023</a:t>
+              <a:t>11/07/2023</a:t>
             </a:fld>
             <a:endParaRPr lang="en-DE"/>
           </a:p>
@@ -9738,6 +9702,11 @@
               <a:rPr lang="en-DE" dirty="0"/>
               <a:t>Map/Filter/Reduce</a:t>
             </a:r>
+            <a:r>
+              <a:rPr lang="de-DE" dirty="0"/>
+              <a:t>/Chain/…</a:t>
+            </a:r>
+            <a:endParaRPr lang="en-DE" dirty="0"/>
           </a:p>
           <a:p>
             <a:pPr marL="457200" lvl="1" indent="0">
@@ -13206,16 +13175,12 @@
               <a:t>m</a:t>
             </a:r>
             <a:r>
-              <a:rPr lang="en-DE" dirty="0" err="1"/>
-              <a:t>ing</a:t>
-            </a:r>
-            <a:r>
               <a:rPr lang="en-DE" dirty="0"/>
-              <a:t> for </a:t>
-            </a:r>
-            <a:r>
-              <a:rPr lang="en-DE" dirty="0" err="1"/>
-              <a:t>golang</a:t>
+              <a:t>ing for </a:t>
+            </a:r>
+            <a:r>
+              <a:rPr lang="de-DE" dirty="0" err="1"/>
+              <a:t>Golang</a:t>
             </a:r>
             <a:r>
               <a:rPr lang="en-DE" dirty="0"/>
@@ -14021,7 +13986,7 @@
                 <a:effectLst/>
                 <a:latin typeface="Fira Code" panose="020B0809050000020004" pitchFamily="49" charset="0"/>
               </a:rPr>
-              <a:t>A</a:t>
+              <a:t>B</a:t>
             </a:r>
             <a:r>
               <a:rPr lang="fr-FR" sz="1100" b="0" dirty="0">
@@ -20823,7 +20788,7 @@
                 <a:effectLst/>
                 <a:latin typeface="Fira Code" panose="020B0809050000020004" pitchFamily="49" charset="0"/>
               </a:rPr>
-              <a:t>53</a:t>
+              <a:t>52</a:t>
             </a:r>
             <a:r>
               <a:rPr lang="fr-FR" sz="800" b="0" dirty="0">
@@ -21238,7 +21203,7 @@
                 <a:effectLst/>
                 <a:latin typeface="Fira Code" panose="020B0809050000020004" pitchFamily="49" charset="0"/>
               </a:rPr>
-              <a:t>54</a:t>
+              <a:t>53</a:t>
             </a:r>
             <a:r>
               <a:rPr lang="fr-FR" sz="800" b="0" dirty="0">
@@ -22416,7 +22381,7 @@
                 <a:effectLst/>
                 <a:latin typeface="Fira Code" panose="020B0809050000020004" pitchFamily="49" charset="0"/>
               </a:rPr>
-              <a:t>53</a:t>
+              <a:t>52</a:t>
             </a:r>
             <a:r>
               <a:rPr lang="fr-FR" sz="1400" b="0" dirty="0">
@@ -22711,7 +22676,7 @@
                 <a:effectLst/>
                 <a:latin typeface="Fira Code" panose="020B0809050000020004" pitchFamily="49" charset="0"/>
               </a:rPr>
-              <a:t>// {Carsten 53}</a:t>
+              <a:t>// {Carsten 52}</a:t>
             </a:r>
             <a:endParaRPr lang="fr-FR" sz="1400" b="0" dirty="0">
               <a:solidFill>
@@ -22740,7 +22705,7 @@
                 <a:effectLst/>
                 <a:latin typeface="Fira Code" panose="020B0809050000020004" pitchFamily="49" charset="0"/>
               </a:rPr>
-              <a:t>// {Carsten 54}</a:t>
+              <a:t>// {Carsten 53}</a:t>
             </a:r>
             <a:endParaRPr lang="fr-FR" sz="1400" b="0" dirty="0">
               <a:solidFill>
@@ -23844,7 +23809,7 @@
                 <a:effectLst/>
                 <a:latin typeface="Fira Code" panose="020B0809050000020004" pitchFamily="49" charset="0"/>
               </a:rPr>
-              <a:t>53</a:t>
+              <a:t>52</a:t>
             </a:r>
             <a:r>
               <a:rPr lang="fr-FR" sz="1200" b="0" dirty="0">
@@ -24148,7 +24113,7 @@
                 <a:effectLst/>
                 <a:latin typeface="Fira Code" panose="020B0809050000020004" pitchFamily="49" charset="0"/>
               </a:rPr>
-              <a:t>// {{Carsten 53} {</a:t>
+              <a:t>// {{Carsten 52} {</a:t>
             </a:r>
             <a:r>
               <a:rPr lang="fr-FR" sz="1200" b="0" dirty="0" err="1">
@@ -24197,7 +24162,7 @@
                 <a:effectLst/>
                 <a:latin typeface="Fira Code" panose="020B0809050000020004" pitchFamily="49" charset="0"/>
               </a:rPr>
-              <a:t>// {{CARSTEN 53} {</a:t>
+              <a:t>// {{CARSTEN 52} {</a:t>
             </a:r>
             <a:r>
               <a:rPr lang="fr-FR" sz="1200" b="0" dirty="0" err="1">
@@ -45455,165 +45420,6 @@
       </p:sp>
       <p:sp>
         <p:nvSpPr>
-          <p:cNvPr id="8" name="TextBox 7">
-            <a:extLst>
-              <a:ext uri="{FF2B5EF4-FFF2-40B4-BE49-F238E27FC236}">
-                <a16:creationId xmlns:a16="http://schemas.microsoft.com/office/drawing/2014/main" id="{B24EACF4-52B9-AB76-E40C-59FE399DE635}"/>
-              </a:ext>
-            </a:extLst>
-          </p:cNvPr>
-          <p:cNvSpPr txBox="1"/>
-          <p:nvPr/>
-        </p:nvSpPr>
-        <p:spPr>
-          <a:xfrm>
-            <a:off x="4828271" y="659178"/>
-            <a:ext cx="7108580" cy="1200329"/>
-          </a:xfrm>
-          <a:prstGeom prst="rect">
-            <a:avLst/>
-          </a:prstGeom>
-          <a:noFill/>
-        </p:spPr>
-        <p:txBody>
-          <a:bodyPr wrap="square">
-            <a:spAutoFit/>
-          </a:bodyPr>
-          <a:lstStyle/>
-          <a:p>
-            <a:r>
-              <a:rPr lang="en-DE" dirty="0">
-                <a:latin typeface="Century Gothic" panose="020B0502020202020204" pitchFamily="34" charset="0"/>
-              </a:rPr>
-              <a:t>Making HTTP GET requests</a:t>
-            </a:r>
-          </a:p>
-          <a:p>
-            <a:pPr lvl="1"/>
-            <a:r>
-              <a:rPr lang="en-DE" dirty="0">
-                <a:latin typeface="Century Gothic" panose="020B0502020202020204" pitchFamily="34" charset="0"/>
-              </a:rPr>
-              <a:t>no surprise, the concurrent way is much faster</a:t>
-            </a:r>
-          </a:p>
-          <a:p>
-            <a:pPr lvl="1"/>
-            <a:endParaRPr lang="en-DE" dirty="0">
-              <a:latin typeface="Century Gothic" panose="020B0502020202020204" pitchFamily="34" charset="0"/>
-            </a:endParaRPr>
-          </a:p>
-          <a:p>
-            <a:pPr lvl="1"/>
-            <a:r>
-              <a:rPr lang="en-DE" dirty="0">
-                <a:latin typeface="Century Gothic" panose="020B0502020202020204" pitchFamily="34" charset="0"/>
-                <a:sym typeface="Wingdings" panose="05000000000000000000" pitchFamily="2" charset="2"/>
-              </a:rPr>
-              <a:t> Traversal/Sequences make it easy to parallelize code</a:t>
-            </a:r>
-            <a:endParaRPr lang="en-DE" dirty="0">
-              <a:latin typeface="Century Gothic" panose="020B0502020202020204" pitchFamily="34" charset="0"/>
-            </a:endParaRPr>
-          </a:p>
-        </p:txBody>
-      </p:sp>
-      <p:pic>
-        <p:nvPicPr>
-          <p:cNvPr id="9" name="Graphic 8">
-            <a:extLst>
-              <a:ext uri="{FF2B5EF4-FFF2-40B4-BE49-F238E27FC236}">
-                <a16:creationId xmlns:a16="http://schemas.microsoft.com/office/drawing/2014/main" id="{BC8BCF13-9EDA-5CBE-B818-CE9C95DB906A}"/>
-              </a:ext>
-            </a:extLst>
-          </p:cNvPr>
-          <p:cNvPicPr>
-            <a:picLocks noChangeAspect="1"/>
-          </p:cNvPicPr>
-          <p:nvPr/>
-        </p:nvPicPr>
-        <p:blipFill>
-          <a:blip r:embed="rId2">
-            <a:extLst>
-              <a:ext uri="{96DAC541-7B7A-43D3-8B79-37D633B846F1}">
-                <asvg:svgBlip xmlns:asvg="http://schemas.microsoft.com/office/drawing/2016/SVG/main" r:embed="rId3"/>
-              </a:ext>
-            </a:extLst>
-          </a:blip>
-          <a:stretch>
-            <a:fillRect/>
-          </a:stretch>
-        </p:blipFill>
-        <p:spPr>
-          <a:xfrm>
-            <a:off x="4758101" y="2077053"/>
-            <a:ext cx="7157966" cy="4164450"/>
-          </a:xfrm>
-          <a:prstGeom prst="rect">
-            <a:avLst/>
-          </a:prstGeom>
-        </p:spPr>
-      </p:pic>
-    </p:spTree>
-    <p:extLst>
-      <p:ext uri="{BB962C8B-B14F-4D97-AF65-F5344CB8AC3E}">
-        <p14:creationId xmlns:p14="http://schemas.microsoft.com/office/powerpoint/2010/main" val="12836443"/>
-      </p:ext>
-    </p:extLst>
-  </p:cSld>
-  <p:clrMapOvr>
-    <a:masterClrMapping/>
-  </p:clrMapOvr>
-</p:sld>
-</file>
-
-<file path=ppt/slides/slide38.xml><?xml version="1.0" encoding="utf-8"?>
-<p:sld xmlns:a="http://schemas.openxmlformats.org/drawingml/2006/main" xmlns:r="http://schemas.openxmlformats.org/officeDocument/2006/relationships" xmlns:p="http://schemas.openxmlformats.org/presentationml/2006/main">
-  <p:cSld>
-    <p:spTree>
-      <p:nvGrpSpPr>
-        <p:cNvPr id="1" name=""/>
-        <p:cNvGrpSpPr/>
-        <p:nvPr/>
-      </p:nvGrpSpPr>
-      <p:grpSpPr>
-        <a:xfrm>
-          <a:off x="0" y="0"/>
-          <a:ext cx="0" cy="0"/>
-          <a:chOff x="0" y="0"/>
-          <a:chExt cx="0" cy="0"/>
-        </a:xfrm>
-      </p:grpSpPr>
-      <p:sp>
-        <p:nvSpPr>
-          <p:cNvPr id="2" name="Title 1">
-            <a:extLst>
-              <a:ext uri="{FF2B5EF4-FFF2-40B4-BE49-F238E27FC236}">
-                <a16:creationId xmlns:a16="http://schemas.microsoft.com/office/drawing/2014/main" id="{2611208F-CE57-1E67-DA83-CD8F3F8DAADE}"/>
-              </a:ext>
-            </a:extLst>
-          </p:cNvPr>
-          <p:cNvSpPr>
-            <a:spLocks noGrp="1"/>
-          </p:cNvSpPr>
-          <p:nvPr>
-            <p:ph type="ctrTitle"/>
-          </p:nvPr>
-        </p:nvSpPr>
-        <p:spPr/>
-        <p:txBody>
-          <a:bodyPr/>
-          <a:lstStyle/>
-          <a:p>
-            <a:r>
-              <a:rPr lang="en-DE" dirty="0"/>
-              <a:t>Performance Considerations</a:t>
-            </a:r>
-          </a:p>
-        </p:txBody>
-      </p:sp>
-      <p:sp>
-        <p:nvSpPr>
           <p:cNvPr id="4" name="TextBox 3">
             <a:extLst>
               <a:ext uri="{FF2B5EF4-FFF2-40B4-BE49-F238E27FC236}">
@@ -47203,6 +47009,165 @@
 </p:sld>
 </file>
 
+<file path=ppt/slides/slide38.xml><?xml version="1.0" encoding="utf-8"?>
+<p:sld xmlns:a="http://schemas.openxmlformats.org/drawingml/2006/main" xmlns:r="http://schemas.openxmlformats.org/officeDocument/2006/relationships" xmlns:p="http://schemas.openxmlformats.org/presentationml/2006/main">
+  <p:cSld>
+    <p:spTree>
+      <p:nvGrpSpPr>
+        <p:cNvPr id="1" name=""/>
+        <p:cNvGrpSpPr/>
+        <p:nvPr/>
+      </p:nvGrpSpPr>
+      <p:grpSpPr>
+        <a:xfrm>
+          <a:off x="0" y="0"/>
+          <a:ext cx="0" cy="0"/>
+          <a:chOff x="0" y="0"/>
+          <a:chExt cx="0" cy="0"/>
+        </a:xfrm>
+      </p:grpSpPr>
+      <p:sp>
+        <p:nvSpPr>
+          <p:cNvPr id="2" name="Title 1">
+            <a:extLst>
+              <a:ext uri="{FF2B5EF4-FFF2-40B4-BE49-F238E27FC236}">
+                <a16:creationId xmlns:a16="http://schemas.microsoft.com/office/drawing/2014/main" id="{2611208F-CE57-1E67-DA83-CD8F3F8DAADE}"/>
+              </a:ext>
+            </a:extLst>
+          </p:cNvPr>
+          <p:cNvSpPr>
+            <a:spLocks noGrp="1"/>
+          </p:cNvSpPr>
+          <p:nvPr>
+            <p:ph type="ctrTitle"/>
+          </p:nvPr>
+        </p:nvSpPr>
+        <p:spPr/>
+        <p:txBody>
+          <a:bodyPr/>
+          <a:lstStyle/>
+          <a:p>
+            <a:r>
+              <a:rPr lang="en-DE" dirty="0"/>
+              <a:t>Performance Considerations</a:t>
+            </a:r>
+          </a:p>
+        </p:txBody>
+      </p:sp>
+      <p:sp>
+        <p:nvSpPr>
+          <p:cNvPr id="8" name="TextBox 7">
+            <a:extLst>
+              <a:ext uri="{FF2B5EF4-FFF2-40B4-BE49-F238E27FC236}">
+                <a16:creationId xmlns:a16="http://schemas.microsoft.com/office/drawing/2014/main" id="{B24EACF4-52B9-AB76-E40C-59FE399DE635}"/>
+              </a:ext>
+            </a:extLst>
+          </p:cNvPr>
+          <p:cNvSpPr txBox="1"/>
+          <p:nvPr/>
+        </p:nvSpPr>
+        <p:spPr>
+          <a:xfrm>
+            <a:off x="4828271" y="659178"/>
+            <a:ext cx="7108580" cy="1200329"/>
+          </a:xfrm>
+          <a:prstGeom prst="rect">
+            <a:avLst/>
+          </a:prstGeom>
+          <a:noFill/>
+        </p:spPr>
+        <p:txBody>
+          <a:bodyPr wrap="square">
+            <a:spAutoFit/>
+          </a:bodyPr>
+          <a:lstStyle/>
+          <a:p>
+            <a:r>
+              <a:rPr lang="en-DE" dirty="0">
+                <a:latin typeface="Century Gothic" panose="020B0502020202020204" pitchFamily="34" charset="0"/>
+              </a:rPr>
+              <a:t>Making HTTP GET requests</a:t>
+            </a:r>
+          </a:p>
+          <a:p>
+            <a:pPr lvl="1"/>
+            <a:r>
+              <a:rPr lang="en-DE" dirty="0">
+                <a:latin typeface="Century Gothic" panose="020B0502020202020204" pitchFamily="34" charset="0"/>
+              </a:rPr>
+              <a:t>no surprise, the concurrent way is much faster</a:t>
+            </a:r>
+          </a:p>
+          <a:p>
+            <a:pPr lvl="1"/>
+            <a:endParaRPr lang="en-DE" dirty="0">
+              <a:latin typeface="Century Gothic" panose="020B0502020202020204" pitchFamily="34" charset="0"/>
+            </a:endParaRPr>
+          </a:p>
+          <a:p>
+            <a:pPr lvl="1"/>
+            <a:r>
+              <a:rPr lang="en-DE" dirty="0">
+                <a:latin typeface="Century Gothic" panose="020B0502020202020204" pitchFamily="34" charset="0"/>
+                <a:sym typeface="Wingdings" panose="05000000000000000000" pitchFamily="2" charset="2"/>
+              </a:rPr>
+              <a:t> Traversal/Sequences make it easy to parallelize code</a:t>
+            </a:r>
+            <a:endParaRPr lang="en-DE" dirty="0">
+              <a:latin typeface="Century Gothic" panose="020B0502020202020204" pitchFamily="34" charset="0"/>
+            </a:endParaRPr>
+          </a:p>
+        </p:txBody>
+      </p:sp>
+      <p:pic>
+        <p:nvPicPr>
+          <p:cNvPr id="9" name="Graphic 8">
+            <a:extLst>
+              <a:ext uri="{FF2B5EF4-FFF2-40B4-BE49-F238E27FC236}">
+                <a16:creationId xmlns:a16="http://schemas.microsoft.com/office/drawing/2014/main" id="{BC8BCF13-9EDA-5CBE-B818-CE9C95DB906A}"/>
+              </a:ext>
+            </a:extLst>
+          </p:cNvPr>
+          <p:cNvPicPr>
+            <a:picLocks noChangeAspect="1"/>
+          </p:cNvPicPr>
+          <p:nvPr/>
+        </p:nvPicPr>
+        <p:blipFill>
+          <a:blip r:embed="rId2">
+            <a:extLst>
+              <a:ext uri="{96DAC541-7B7A-43D3-8B79-37D633B846F1}">
+                <asvg:svgBlip xmlns:asvg="http://schemas.microsoft.com/office/drawing/2016/SVG/main" r:embed="rId3"/>
+              </a:ext>
+            </a:extLst>
+          </a:blip>
+          <a:stretch>
+            <a:fillRect/>
+          </a:stretch>
+        </p:blipFill>
+        <p:spPr>
+          <a:xfrm>
+            <a:off x="4758101" y="2077053"/>
+            <a:ext cx="7157966" cy="4164450"/>
+          </a:xfrm>
+          <a:prstGeom prst="rect">
+            <a:avLst/>
+          </a:prstGeom>
+        </p:spPr>
+      </p:pic>
+    </p:spTree>
+    <p:extLst>
+      <p:ext uri="{BB962C8B-B14F-4D97-AF65-F5344CB8AC3E}">
+        <p14:creationId xmlns:p14="http://schemas.microsoft.com/office/powerpoint/2010/main" val="12836443"/>
+      </p:ext>
+    </p:extLst>
+  </p:cSld>
+  <p:clrMapOvr>
+    <a:masterClrMapping/>
+  </p:clrMapOvr>
+</p:sld>
+</file>
+
 <file path=ppt/slides/slide39.xml><?xml version="1.0" encoding="utf-8"?>
 <p:sld xmlns:a="http://schemas.openxmlformats.org/drawingml/2006/main" xmlns:r="http://schemas.openxmlformats.org/officeDocument/2006/relationships" xmlns:p="http://schemas.openxmlformats.org/presentationml/2006/main">
   <p:cSld>
@@ -47401,9 +47366,10 @@
           <a:lstStyle/>
           <a:p>
             <a:r>
-              <a:rPr lang="en-DE" dirty="0"/>
-              <a:t>Kudos</a:t>
-            </a:r>
+              <a:rPr lang="de-DE" dirty="0" err="1"/>
+              <a:t>Acknowlegements</a:t>
+            </a:r>
+            <a:endParaRPr lang="en-DE" dirty="0"/>
           </a:p>
         </p:txBody>
       </p:sp>
@@ -47455,6 +47421,15 @@
                 <a:hlinkClick r:id="rId2"/>
               </a:rPr>
               <a:t>https://gcanti.github.io/fp-ts/</a:t>
+            </a:r>
+            <a:endParaRPr lang="en-DE" dirty="0"/>
+          </a:p>
+          <a:p>
+            <a:r>
+              <a:rPr lang="fr-FR" dirty="0">
+                <a:hlinkClick r:id="rId2"/>
+              </a:rPr>
+              <a:t>https://gcanti.github.io/io-ts/</a:t>
             </a:r>
             <a:endParaRPr lang="en-DE" dirty="0"/>
           </a:p>
